--- a/SolidSymposium2024_EDC.pptx
+++ b/SolidSymposium2024_EDC.pptx
@@ -5,7 +5,7 @@
     <p:sldMasterId id="2147483659" r:id="rId1"/>
   </p:sldMasterIdLst>
   <p:notesMasterIdLst>
-    <p:notesMasterId r:id="rId13"/>
+    <p:notesMasterId r:id="rId14"/>
   </p:notesMasterIdLst>
   <p:sldIdLst>
     <p:sldId id="256" r:id="rId2"/>
@@ -19,6 +19,7 @@
     <p:sldId id="277" r:id="rId10"/>
     <p:sldId id="268" r:id="rId11"/>
     <p:sldId id="269" r:id="rId12"/>
+    <p:sldId id="278" r:id="rId13"/>
   </p:sldIdLst>
   <p:sldSz cx="9144000" cy="5143500" type="screen16x9"/>
   <p:notesSz cx="6858000" cy="9144000"/>
@@ -283,6 +284,7 @@
           <p14:sldIdLst>
             <p14:sldId id="268"/>
             <p14:sldId id="269"/>
+            <p14:sldId id="278"/>
           </p14:sldIdLst>
         </p14:section>
       </p14:sectionLst>
@@ -1054,6 +1056,115 @@
     <p:extLst>
       <p:ext uri="{BB962C8B-B14F-4D97-AF65-F5344CB8AC3E}">
         <p14:creationId xmlns:p14="http://schemas.microsoft.com/office/powerpoint/2010/main" val="2021941336"/>
+      </p:ext>
+    </p:extLst>
+  </p:cSld>
+  <p:clrMapOvr>
+    <a:masterClrMapping/>
+  </p:clrMapOvr>
+</p:notes>
+</file>
+
+<file path=ppt/notesSlides/notesSlide12.xml><?xml version="1.0" encoding="utf-8"?>
+<p:notes xmlns:a="http://schemas.openxmlformats.org/drawingml/2006/main" xmlns:r="http://schemas.openxmlformats.org/officeDocument/2006/relationships" xmlns:p="http://schemas.openxmlformats.org/presentationml/2006/main" showMasterSp="0" showMasterPhAnim="0">
+  <p:cSld>
+    <p:spTree>
+      <p:nvGrpSpPr>
+        <p:cNvPr id="1" name="Shape 122"/>
+        <p:cNvGrpSpPr/>
+        <p:nvPr/>
+      </p:nvGrpSpPr>
+      <p:grpSpPr>
+        <a:xfrm>
+          <a:off x="0" y="0"/>
+          <a:ext cx="0" cy="0"/>
+          <a:chOff x="0" y="0"/>
+          <a:chExt cx="0" cy="0"/>
+        </a:xfrm>
+      </p:grpSpPr>
+      <p:sp>
+        <p:nvSpPr>
+          <p:cNvPr id="123" name="Google Shape;123;g2cb33ae42cd_0_102:notes"/>
+          <p:cNvSpPr>
+            <a:spLocks noGrp="1" noRot="1" noChangeAspect="1"/>
+          </p:cNvSpPr>
+          <p:nvPr>
+            <p:ph type="sldImg" idx="2"/>
+          </p:nvPr>
+        </p:nvSpPr>
+        <p:spPr>
+          <a:xfrm>
+            <a:off x="381000" y="685800"/>
+            <a:ext cx="6096000" cy="3429000"/>
+          </a:xfrm>
+          <a:custGeom>
+            <a:avLst/>
+            <a:gdLst/>
+            <a:ahLst/>
+            <a:cxnLst/>
+            <a:rect l="l" t="t" r="r" b="b"/>
+            <a:pathLst>
+              <a:path w="120000" h="120000" extrusionOk="0">
+                <a:moveTo>
+                  <a:pt x="0" y="0"/>
+                </a:moveTo>
+                <a:lnTo>
+                  <a:pt x="120000" y="0"/>
+                </a:lnTo>
+                <a:lnTo>
+                  <a:pt x="120000" y="120000"/>
+                </a:lnTo>
+                <a:lnTo>
+                  <a:pt x="0" y="120000"/>
+                </a:lnTo>
+                <a:close/>
+              </a:path>
+            </a:pathLst>
+          </a:custGeom>
+        </p:spPr>
+      </p:sp>
+      <p:sp>
+        <p:nvSpPr>
+          <p:cNvPr id="124" name="Google Shape;124;g2cb33ae42cd_0_102:notes"/>
+          <p:cNvSpPr txBox="1">
+            <a:spLocks noGrp="1"/>
+          </p:cNvSpPr>
+          <p:nvPr>
+            <p:ph type="body" idx="1"/>
+          </p:nvPr>
+        </p:nvSpPr>
+        <p:spPr>
+          <a:xfrm>
+            <a:off x="685800" y="4343400"/>
+            <a:ext cx="5486400" cy="4114800"/>
+          </a:xfrm>
+          <a:prstGeom prst="rect">
+            <a:avLst/>
+          </a:prstGeom>
+        </p:spPr>
+        <p:txBody>
+          <a:bodyPr spcFirstLastPara="1" wrap="square" lIns="91425" tIns="91425" rIns="91425" bIns="91425" anchor="t" anchorCtr="0">
+            <a:noAutofit/>
+          </a:bodyPr>
+          <a:lstStyle/>
+          <a:p>
+            <a:pPr marL="0" lvl="0" indent="0" algn="l" rtl="0">
+              <a:spcBef>
+                <a:spcPts val="0"/>
+              </a:spcBef>
+              <a:spcAft>
+                <a:spcPts val="0"/>
+              </a:spcAft>
+              <a:buNone/>
+            </a:pPr>
+            <a:endParaRPr/>
+          </a:p>
+        </p:txBody>
+      </p:sp>
+    </p:spTree>
+    <p:extLst>
+      <p:ext uri="{BB962C8B-B14F-4D97-AF65-F5344CB8AC3E}">
+        <p14:creationId xmlns:p14="http://schemas.microsoft.com/office/powerpoint/2010/main" val="3871504953"/>
       </p:ext>
     </p:extLst>
   </p:cSld>
@@ -7590,13 +7701,318 @@
 </p:sld>
 </file>
 
+<file path=ppt/slides/slide12.xml><?xml version="1.0" encoding="utf-8"?>
+<p:sld xmlns:a="http://schemas.openxmlformats.org/drawingml/2006/main" xmlns:r="http://schemas.openxmlformats.org/officeDocument/2006/relationships" xmlns:p="http://schemas.openxmlformats.org/presentationml/2006/main">
+  <p:cSld>
+    <p:spTree>
+      <p:nvGrpSpPr>
+        <p:cNvPr id="1" name="Shape 125"/>
+        <p:cNvGrpSpPr/>
+        <p:nvPr/>
+      </p:nvGrpSpPr>
+      <p:grpSpPr>
+        <a:xfrm>
+          <a:off x="0" y="0"/>
+          <a:ext cx="0" cy="0"/>
+          <a:chOff x="0" y="0"/>
+          <a:chExt cx="0" cy="0"/>
+        </a:xfrm>
+      </p:grpSpPr>
+      <p:pic>
+        <p:nvPicPr>
+          <p:cNvPr id="3" name="Graphic 2" descr="Help with solid fill">
+            <a:extLst>
+              <a:ext uri="{FF2B5EF4-FFF2-40B4-BE49-F238E27FC236}">
+                <a16:creationId xmlns:a16="http://schemas.microsoft.com/office/drawing/2014/main" id="{39F33805-C8A1-1A78-8C35-215EBE67F660}"/>
+              </a:ext>
+            </a:extLst>
+          </p:cNvPr>
+          <p:cNvPicPr>
+            <a:picLocks noChangeAspect="1"/>
+          </p:cNvPicPr>
+          <p:nvPr/>
+        </p:nvPicPr>
+        <p:blipFill>
+          <a:blip r:embed="rId3">
+            <a:extLst>
+              <a:ext uri="{96DAC541-7B7A-43D3-8B79-37D633B846F1}">
+                <asvg:svgBlip xmlns:asvg="http://schemas.microsoft.com/office/drawing/2016/SVG/main" r:embed="rId4"/>
+              </a:ext>
+            </a:extLst>
+          </a:blip>
+          <a:stretch>
+            <a:fillRect/>
+          </a:stretch>
+        </p:blipFill>
+        <p:spPr>
+          <a:xfrm>
+            <a:off x="1652337" y="0"/>
+            <a:ext cx="914400" cy="914400"/>
+          </a:xfrm>
+          <a:prstGeom prst="rect">
+            <a:avLst/>
+          </a:prstGeom>
+        </p:spPr>
+      </p:pic>
+      <p:pic>
+        <p:nvPicPr>
+          <p:cNvPr id="13" name="Graphic 12" descr="Information with solid fill">
+            <a:extLst>
+              <a:ext uri="{FF2B5EF4-FFF2-40B4-BE49-F238E27FC236}">
+                <a16:creationId xmlns:a16="http://schemas.microsoft.com/office/drawing/2014/main" id="{9E6A4831-8868-18DF-2C66-7E0585173F4C}"/>
+              </a:ext>
+            </a:extLst>
+          </p:cNvPr>
+          <p:cNvPicPr>
+            <a:picLocks noChangeAspect="1"/>
+          </p:cNvPicPr>
+          <p:nvPr/>
+        </p:nvPicPr>
+        <p:blipFill>
+          <a:blip r:embed="rId5">
+            <a:extLst>
+              <a:ext uri="{96DAC541-7B7A-43D3-8B79-37D633B846F1}">
+                <asvg:svgBlip xmlns:asvg="http://schemas.microsoft.com/office/drawing/2016/SVG/main" r:embed="rId6"/>
+              </a:ext>
+            </a:extLst>
+          </a:blip>
+          <a:stretch>
+            <a:fillRect/>
+          </a:stretch>
+        </p:blipFill>
+        <p:spPr>
+          <a:xfrm>
+            <a:off x="2815389" y="261687"/>
+            <a:ext cx="914400" cy="914400"/>
+          </a:xfrm>
+          <a:prstGeom prst="rect">
+            <a:avLst/>
+          </a:prstGeom>
+        </p:spPr>
+      </p:pic>
+      <p:grpSp>
+        <p:nvGrpSpPr>
+          <p:cNvPr id="24" name="Group 23">
+            <a:extLst>
+              <a:ext uri="{FF2B5EF4-FFF2-40B4-BE49-F238E27FC236}">
+                <a16:creationId xmlns:a16="http://schemas.microsoft.com/office/drawing/2014/main" id="{D9D95653-B0BF-A123-6F39-F2573C13B1D1}"/>
+              </a:ext>
+            </a:extLst>
+          </p:cNvPr>
+          <p:cNvGrpSpPr/>
+          <p:nvPr/>
+        </p:nvGrpSpPr>
+        <p:grpSpPr>
+          <a:xfrm>
+            <a:off x="3608220" y="2054449"/>
+            <a:ext cx="947738" cy="991445"/>
+            <a:chOff x="3608220" y="2054449"/>
+            <a:chExt cx="947738" cy="991445"/>
+          </a:xfrm>
+        </p:grpSpPr>
+        <p:pic>
+          <p:nvPicPr>
+            <p:cNvPr id="17" name="Graphic 16" descr="Database outline">
+              <a:extLst>
+                <a:ext uri="{FF2B5EF4-FFF2-40B4-BE49-F238E27FC236}">
+                  <a16:creationId xmlns:a16="http://schemas.microsoft.com/office/drawing/2014/main" id="{BEE9C68E-2B28-79E0-7389-6A0E0B4D97B3}"/>
+                </a:ext>
+              </a:extLst>
+            </p:cNvPr>
+            <p:cNvPicPr>
+              <a:picLocks noChangeAspect="1"/>
+            </p:cNvPicPr>
+            <p:nvPr/>
+          </p:nvPicPr>
+          <p:blipFill>
+            <a:blip r:embed="rId7">
+              <a:extLst>
+                <a:ext uri="{96DAC541-7B7A-43D3-8B79-37D633B846F1}">
+                  <asvg:svgBlip xmlns:asvg="http://schemas.microsoft.com/office/drawing/2016/SVG/main" r:embed="rId8"/>
+                </a:ext>
+              </a:extLst>
+            </a:blip>
+            <a:stretch>
+              <a:fillRect/>
+            </a:stretch>
+          </p:blipFill>
+          <p:spPr>
+            <a:xfrm>
+              <a:off x="3608220" y="2131494"/>
+              <a:ext cx="914400" cy="914400"/>
+            </a:xfrm>
+            <a:prstGeom prst="rect">
+              <a:avLst/>
+            </a:prstGeom>
+          </p:spPr>
+        </p:pic>
+        <p:pic>
+          <p:nvPicPr>
+            <p:cNvPr id="18" name="Google Shape;172;p26" descr="20+ Free Gene Icon &amp; Dna Images - Pixabay">
+              <a:extLst>
+                <a:ext uri="{FF2B5EF4-FFF2-40B4-BE49-F238E27FC236}">
+                  <a16:creationId xmlns:a16="http://schemas.microsoft.com/office/drawing/2014/main" id="{81C4D54B-D1AE-C558-9894-B34CB0BD6A43}"/>
+                </a:ext>
+              </a:extLst>
+            </p:cNvPr>
+            <p:cNvPicPr preferRelativeResize="0"/>
+            <p:nvPr/>
+          </p:nvPicPr>
+          <p:blipFill rotWithShape="1">
+            <a:blip r:embed="rId9">
+              <a:alphaModFix/>
+            </a:blip>
+            <a:srcRect/>
+            <a:stretch/>
+          </p:blipFill>
+          <p:spPr>
+            <a:xfrm rot="2696133">
+              <a:off x="3832171" y="2443971"/>
+              <a:ext cx="482541" cy="353612"/>
+            </a:xfrm>
+            <a:prstGeom prst="rect">
+              <a:avLst/>
+            </a:prstGeom>
+            <a:noFill/>
+            <a:ln>
+              <a:noFill/>
+            </a:ln>
+          </p:spPr>
+        </p:pic>
+        <p:grpSp>
+          <p:nvGrpSpPr>
+            <p:cNvPr id="23" name="Group 22">
+              <a:extLst>
+                <a:ext uri="{FF2B5EF4-FFF2-40B4-BE49-F238E27FC236}">
+                  <a16:creationId xmlns:a16="http://schemas.microsoft.com/office/drawing/2014/main" id="{5C278B01-2E12-6811-BEE7-1FF86D66B1CF}"/>
+                </a:ext>
+              </a:extLst>
+            </p:cNvPr>
+            <p:cNvGrpSpPr/>
+            <p:nvPr/>
+          </p:nvGrpSpPr>
+          <p:grpSpPr>
+            <a:xfrm>
+              <a:off x="4049378" y="2054449"/>
+              <a:ext cx="506580" cy="444052"/>
+              <a:chOff x="4722996" y="2176725"/>
+              <a:chExt cx="506580" cy="444052"/>
+            </a:xfrm>
+          </p:grpSpPr>
+          <p:pic>
+            <p:nvPicPr>
+              <p:cNvPr id="20" name="Graphic 19" descr="Lock with solid fill">
+                <a:extLst>
+                  <a:ext uri="{FF2B5EF4-FFF2-40B4-BE49-F238E27FC236}">
+                    <a16:creationId xmlns:a16="http://schemas.microsoft.com/office/drawing/2014/main" id="{092EA468-02CE-DFC8-17CF-B232DD95987E}"/>
+                  </a:ext>
+                </a:extLst>
+              </p:cNvPr>
+              <p:cNvPicPr>
+                <a:picLocks noChangeAspect="1"/>
+              </p:cNvPicPr>
+              <p:nvPr/>
+            </p:nvPicPr>
+            <p:blipFill>
+              <a:blip r:embed="rId10">
+                <a:extLst>
+                  <a:ext uri="{96DAC541-7B7A-43D3-8B79-37D633B846F1}">
+                    <asvg:svgBlip xmlns:asvg="http://schemas.microsoft.com/office/drawing/2016/SVG/main" r:embed="rId11"/>
+                  </a:ext>
+                </a:extLst>
+              </a:blip>
+              <a:stretch>
+                <a:fillRect/>
+              </a:stretch>
+            </p:blipFill>
+            <p:spPr>
+              <a:xfrm>
+                <a:off x="4722996" y="2176725"/>
+                <a:ext cx="506580" cy="444052"/>
+              </a:xfrm>
+              <a:prstGeom prst="rect">
+                <a:avLst/>
+              </a:prstGeom>
+            </p:spPr>
+          </p:pic>
+          <p:sp>
+            <p:nvSpPr>
+              <p:cNvPr id="22" name="Rectangle 21">
+                <a:extLst>
+                  <a:ext uri="{FF2B5EF4-FFF2-40B4-BE49-F238E27FC236}">
+                    <a16:creationId xmlns:a16="http://schemas.microsoft.com/office/drawing/2014/main" id="{38F13283-6CB4-B93F-3D26-1FA482891A88}"/>
+                  </a:ext>
+                </a:extLst>
+              </p:cNvPr>
+              <p:cNvSpPr/>
+              <p:nvPr/>
+            </p:nvSpPr>
+            <p:spPr>
+              <a:xfrm>
+                <a:off x="4884821" y="2438400"/>
+                <a:ext cx="176463" cy="96253"/>
+              </a:xfrm>
+              <a:prstGeom prst="rect">
+                <a:avLst/>
+              </a:prstGeom>
+              <a:solidFill>
+                <a:schemeClr val="bg1">
+                  <a:lumMod val="10000"/>
+                </a:schemeClr>
+              </a:solidFill>
+              <a:ln>
+                <a:noFill/>
+              </a:ln>
+            </p:spPr>
+            <p:style>
+              <a:lnRef idx="2">
+                <a:schemeClr val="accent1">
+                  <a:shade val="15000"/>
+                </a:schemeClr>
+              </a:lnRef>
+              <a:fillRef idx="1">
+                <a:schemeClr val="accent1"/>
+              </a:fillRef>
+              <a:effectRef idx="0">
+                <a:schemeClr val="accent1"/>
+              </a:effectRef>
+              <a:fontRef idx="minor">
+                <a:schemeClr val="lt1"/>
+              </a:fontRef>
+            </p:style>
+            <p:txBody>
+              <a:bodyPr rtlCol="0" anchor="ctr"/>
+              <a:lstStyle/>
+              <a:p>
+                <a:pPr algn="ctr"/>
+                <a:endParaRPr lang="en-US"/>
+              </a:p>
+            </p:txBody>
+          </p:sp>
+        </p:grpSp>
+      </p:grpSp>
+    </p:spTree>
+    <p:extLst>
+      <p:ext uri="{BB962C8B-B14F-4D97-AF65-F5344CB8AC3E}">
+        <p14:creationId xmlns:p14="http://schemas.microsoft.com/office/powerpoint/2010/main" val="2947131899"/>
+      </p:ext>
+    </p:extLst>
+  </p:cSld>
+  <p:clrMapOvr>
+    <a:masterClrMapping/>
+  </p:clrMapOvr>
+</p:sld>
+</file>
+
 <file path=ppt/slides/slide2.xml><?xml version="1.0" encoding="utf-8"?>
 <p:sld xmlns:a="http://schemas.openxmlformats.org/drawingml/2006/main" xmlns:r="http://schemas.openxmlformats.org/officeDocument/2006/relationships" xmlns:p="http://schemas.openxmlformats.org/presentationml/2006/main">
   <p:cSld>
     <p:bg>
       <p:bgPr>
         <a:solidFill>
-          <a:schemeClr val="bg2"/>
+          <a:schemeClr val="accent3">
+            <a:lumMod val="50000"/>
+          </a:schemeClr>
         </a:solidFill>
         <a:effectLst/>
       </p:bgPr>
@@ -8419,7 +8835,9 @@
     <p:bg>
       <p:bgPr>
         <a:solidFill>
-          <a:schemeClr val="bg2"/>
+          <a:schemeClr val="accent3">
+            <a:lumMod val="50000"/>
+          </a:schemeClr>
         </a:solidFill>
         <a:effectLst/>
       </p:bgPr>
@@ -8477,55 +8895,6 @@
               <a:t>Scaling Genome Data Usage</a:t>
             </a:r>
             <a:endParaRPr lang="en-US" sz="3200" dirty="0">
-              <a:solidFill>
-                <a:schemeClr val="tx1"/>
-              </a:solidFill>
-              <a:latin typeface="KoHo" pitchFamily="2" charset="-34"/>
-              <a:cs typeface="KoHo" pitchFamily="2" charset="-34"/>
-            </a:endParaRPr>
-          </a:p>
-        </p:txBody>
-      </p:sp>
-      <p:sp>
-        <p:nvSpPr>
-          <p:cNvPr id="14" name="TextBox 13">
-            <a:extLst>
-              <a:ext uri="{FF2B5EF4-FFF2-40B4-BE49-F238E27FC236}">
-                <a16:creationId xmlns:a16="http://schemas.microsoft.com/office/drawing/2014/main" id="{684321D9-F81C-B7FD-EE7F-A335BED6ED67}"/>
-              </a:ext>
-            </a:extLst>
-          </p:cNvPr>
-          <p:cNvSpPr txBox="1"/>
-          <p:nvPr/>
-        </p:nvSpPr>
-        <p:spPr>
-          <a:xfrm>
-            <a:off x="288146" y="818276"/>
-            <a:ext cx="1348740" cy="461665"/>
-          </a:xfrm>
-          <a:prstGeom prst="rect">
-            <a:avLst/>
-          </a:prstGeom>
-          <a:noFill/>
-        </p:spPr>
-        <p:txBody>
-          <a:bodyPr wrap="square" rtlCol="0">
-            <a:spAutoFit/>
-          </a:bodyPr>
-          <a:lstStyle/>
-          <a:p>
-            <a:pPr algn="ctr"/>
-            <a:r>
-              <a:rPr lang="en" sz="2400" dirty="0">
-                <a:solidFill>
-                  <a:schemeClr val="tx1"/>
-                </a:solidFill>
-                <a:latin typeface="KoHo" pitchFamily="2" charset="-34"/>
-                <a:cs typeface="KoHo" pitchFamily="2" charset="-34"/>
-              </a:rPr>
-              <a:t>Storage</a:t>
-            </a:r>
-            <a:endParaRPr lang="en-US" sz="2400" dirty="0">
               <a:solidFill>
                 <a:schemeClr val="tx1"/>
               </a:solidFill>
@@ -8695,7 +9064,9 @@
     <p:bg>
       <p:bgPr>
         <a:solidFill>
-          <a:schemeClr val="bg2"/>
+          <a:schemeClr val="accent3">
+            <a:lumMod val="50000"/>
+          </a:schemeClr>
         </a:solidFill>
         <a:effectLst/>
       </p:bgPr>
@@ -8981,7 +9352,9 @@
     <p:bg>
       <p:bgPr>
         <a:solidFill>
-          <a:schemeClr val="bg2"/>
+          <a:schemeClr val="accent3">
+            <a:lumMod val="50000"/>
+          </a:schemeClr>
         </a:solidFill>
         <a:effectLst/>
       </p:bgPr>
@@ -9267,7 +9640,9 @@
     <p:bg>
       <p:bgPr>
         <a:solidFill>
-          <a:schemeClr val="bg2"/>
+          <a:schemeClr val="accent3">
+            <a:lumMod val="50000"/>
+          </a:schemeClr>
         </a:solidFill>
         <a:effectLst/>
       </p:bgPr>
@@ -9563,7 +9938,9 @@
     <p:bg>
       <p:bgPr>
         <a:solidFill>
-          <a:schemeClr val="bg2"/>
+          <a:schemeClr val="accent3">
+            <a:lumMod val="50000"/>
+          </a:schemeClr>
         </a:solidFill>
         <a:effectLst/>
       </p:bgPr>
@@ -9857,7 +10234,9 @@
     <p:bg>
       <p:bgPr>
         <a:solidFill>
-          <a:schemeClr val="bg2"/>
+          <a:schemeClr val="accent3">
+            <a:lumMod val="50000"/>
+          </a:schemeClr>
         </a:solidFill>
         <a:effectLst/>
       </p:bgPr>
@@ -10036,7 +10415,9 @@
     <p:bg>
       <p:bgPr>
         <a:solidFill>
-          <a:schemeClr val="bg2"/>
+          <a:schemeClr val="accent3">
+            <a:lumMod val="50000"/>
+          </a:schemeClr>
         </a:solidFill>
         <a:effectLst/>
       </p:bgPr>

--- a/SolidSymposium2024_EDC.pptx
+++ b/SolidSymposium2024_EDC.pptx
@@ -5,7 +5,7 @@
     <p:sldMasterId id="2147483659" r:id="rId1"/>
   </p:sldMasterIdLst>
   <p:notesMasterIdLst>
-    <p:notesMasterId r:id="rId14"/>
+    <p:notesMasterId r:id="rId15"/>
   </p:notesMasterIdLst>
   <p:sldIdLst>
     <p:sldId id="256" r:id="rId2"/>
@@ -17,9 +17,10 @@
     <p:sldId id="275" r:id="rId8"/>
     <p:sldId id="276" r:id="rId9"/>
     <p:sldId id="277" r:id="rId10"/>
-    <p:sldId id="268" r:id="rId11"/>
-    <p:sldId id="269" r:id="rId12"/>
-    <p:sldId id="278" r:id="rId13"/>
+    <p:sldId id="279" r:id="rId11"/>
+    <p:sldId id="268" r:id="rId12"/>
+    <p:sldId id="269" r:id="rId13"/>
+    <p:sldId id="278" r:id="rId14"/>
   </p:sldIdLst>
   <p:sldSz cx="9144000" cy="5143500" type="screen16x9"/>
   <p:notesSz cx="6858000" cy="9144000"/>
@@ -278,6 +279,7 @@
         <p14:section name="Early Application Example" id="{4ED58911-67ED-D942-9D44-F2D67A6925F1}">
           <p14:sldIdLst>
             <p14:sldId id="277"/>
+            <p14:sldId id="279"/>
           </p14:sldIdLst>
         </p14:section>
         <p14:section name="Supplementary Slides" id="{DE3425CC-5FB6-6644-9218-0A2C67917EE9}">
@@ -857,7 +859,7 @@
   <p:cSld>
     <p:spTree>
       <p:nvGrpSpPr>
-        <p:cNvPr id="1" name="Shape 122"/>
+        <p:cNvPr id="1" name="Shape 62"/>
         <p:cNvGrpSpPr/>
         <p:nvPr/>
       </p:nvGrpSpPr>
@@ -871,7 +873,7 @@
       </p:grpSpPr>
       <p:sp>
         <p:nvSpPr>
-          <p:cNvPr id="123" name="Google Shape;123;g2cb33ae42cd_0_102:notes"/>
+          <p:cNvPr id="63" name="Google Shape;63;g2cb33ae42cd_0_45:notes"/>
           <p:cNvSpPr>
             <a:spLocks noGrp="1" noRot="1" noChangeAspect="1"/>
           </p:cNvSpPr>
@@ -912,7 +914,7 @@
       </p:sp>
       <p:sp>
         <p:nvSpPr>
-          <p:cNvPr id="124" name="Google Shape;124;g2cb33ae42cd_0_102:notes"/>
+          <p:cNvPr id="64" name="Google Shape;64;g2cb33ae42cd_0_45:notes"/>
           <p:cNvSpPr txBox="1">
             <a:spLocks noGrp="1"/>
           </p:cNvSpPr>
@@ -944,11 +946,16 @@
               </a:spcAft>
               <a:buNone/>
             </a:pPr>
-            <a:endParaRPr/>
+            <a:endParaRPr dirty="0"/>
           </a:p>
         </p:txBody>
       </p:sp>
     </p:spTree>
+    <p:extLst>
+      <p:ext uri="{BB962C8B-B14F-4D97-AF65-F5344CB8AC3E}">
+        <p14:creationId xmlns:p14="http://schemas.microsoft.com/office/powerpoint/2010/main" val="2687315989"/>
+      </p:ext>
+    </p:extLst>
   </p:cSld>
   <p:clrMapOvr>
     <a:masterClrMapping/>
@@ -1053,6 +1060,110 @@
         </p:txBody>
       </p:sp>
     </p:spTree>
+  </p:cSld>
+  <p:clrMapOvr>
+    <a:masterClrMapping/>
+  </p:clrMapOvr>
+</p:notes>
+</file>
+
+<file path=ppt/notesSlides/notesSlide12.xml><?xml version="1.0" encoding="utf-8"?>
+<p:notes xmlns:a="http://schemas.openxmlformats.org/drawingml/2006/main" xmlns:r="http://schemas.openxmlformats.org/officeDocument/2006/relationships" xmlns:p="http://schemas.openxmlformats.org/presentationml/2006/main" showMasterSp="0" showMasterPhAnim="0">
+  <p:cSld>
+    <p:spTree>
+      <p:nvGrpSpPr>
+        <p:cNvPr id="1" name="Shape 122"/>
+        <p:cNvGrpSpPr/>
+        <p:nvPr/>
+      </p:nvGrpSpPr>
+      <p:grpSpPr>
+        <a:xfrm>
+          <a:off x="0" y="0"/>
+          <a:ext cx="0" cy="0"/>
+          <a:chOff x="0" y="0"/>
+          <a:chExt cx="0" cy="0"/>
+        </a:xfrm>
+      </p:grpSpPr>
+      <p:sp>
+        <p:nvSpPr>
+          <p:cNvPr id="123" name="Google Shape;123;g2cb33ae42cd_0_102:notes"/>
+          <p:cNvSpPr>
+            <a:spLocks noGrp="1" noRot="1" noChangeAspect="1"/>
+          </p:cNvSpPr>
+          <p:nvPr>
+            <p:ph type="sldImg" idx="2"/>
+          </p:nvPr>
+        </p:nvSpPr>
+        <p:spPr>
+          <a:xfrm>
+            <a:off x="381000" y="685800"/>
+            <a:ext cx="6096000" cy="3429000"/>
+          </a:xfrm>
+          <a:custGeom>
+            <a:avLst/>
+            <a:gdLst/>
+            <a:ahLst/>
+            <a:cxnLst/>
+            <a:rect l="l" t="t" r="r" b="b"/>
+            <a:pathLst>
+              <a:path w="120000" h="120000" extrusionOk="0">
+                <a:moveTo>
+                  <a:pt x="0" y="0"/>
+                </a:moveTo>
+                <a:lnTo>
+                  <a:pt x="120000" y="0"/>
+                </a:lnTo>
+                <a:lnTo>
+                  <a:pt x="120000" y="120000"/>
+                </a:lnTo>
+                <a:lnTo>
+                  <a:pt x="0" y="120000"/>
+                </a:lnTo>
+                <a:close/>
+              </a:path>
+            </a:pathLst>
+          </a:custGeom>
+        </p:spPr>
+      </p:sp>
+      <p:sp>
+        <p:nvSpPr>
+          <p:cNvPr id="124" name="Google Shape;124;g2cb33ae42cd_0_102:notes"/>
+          <p:cNvSpPr txBox="1">
+            <a:spLocks noGrp="1"/>
+          </p:cNvSpPr>
+          <p:nvPr>
+            <p:ph type="body" idx="1"/>
+          </p:nvPr>
+        </p:nvSpPr>
+        <p:spPr>
+          <a:xfrm>
+            <a:off x="685800" y="4343400"/>
+            <a:ext cx="5486400" cy="4114800"/>
+          </a:xfrm>
+          <a:prstGeom prst="rect">
+            <a:avLst/>
+          </a:prstGeom>
+        </p:spPr>
+        <p:txBody>
+          <a:bodyPr spcFirstLastPara="1" wrap="square" lIns="91425" tIns="91425" rIns="91425" bIns="91425" anchor="t" anchorCtr="0">
+            <a:noAutofit/>
+          </a:bodyPr>
+          <a:lstStyle/>
+          <a:p>
+            <a:pPr marL="0" lvl="0" indent="0" algn="l" rtl="0">
+              <a:spcBef>
+                <a:spcPts val="0"/>
+              </a:spcBef>
+              <a:spcAft>
+                <a:spcPts val="0"/>
+              </a:spcAft>
+              <a:buNone/>
+            </a:pPr>
+            <a:endParaRPr/>
+          </a:p>
+        </p:txBody>
+      </p:sp>
+    </p:spTree>
     <p:extLst>
       <p:ext uri="{BB962C8B-B14F-4D97-AF65-F5344CB8AC3E}">
         <p14:creationId xmlns:p14="http://schemas.microsoft.com/office/powerpoint/2010/main" val="2021941336"/>
@@ -1065,7 +1176,7 @@
 </p:notes>
 </file>
 
-<file path=ppt/notesSlides/notesSlide12.xml><?xml version="1.0" encoding="utf-8"?>
+<file path=ppt/notesSlides/notesSlide13.xml><?xml version="1.0" encoding="utf-8"?>
 <p:notes xmlns:a="http://schemas.openxmlformats.org/drawingml/2006/main" xmlns:r="http://schemas.openxmlformats.org/officeDocument/2006/relationships" xmlns:p="http://schemas.openxmlformats.org/presentationml/2006/main" showMasterSp="0" showMasterPhAnim="0">
   <p:cSld>
     <p:spTree>
@@ -7264,6 +7375,344 @@
   <p:cSld>
     <p:spTree>
       <p:nvGrpSpPr>
+        <p:cNvPr id="1" name="Shape 65"/>
+        <p:cNvGrpSpPr/>
+        <p:nvPr/>
+      </p:nvGrpSpPr>
+      <p:grpSpPr>
+        <a:xfrm>
+          <a:off x="0" y="0"/>
+          <a:ext cx="0" cy="0"/>
+          <a:chOff x="0" y="0"/>
+          <a:chExt cx="0" cy="0"/>
+        </a:xfrm>
+      </p:grpSpPr>
+      <p:sp>
+        <p:nvSpPr>
+          <p:cNvPr id="9" name="TextBox 8">
+            <a:extLst>
+              <a:ext uri="{FF2B5EF4-FFF2-40B4-BE49-F238E27FC236}">
+                <a16:creationId xmlns:a16="http://schemas.microsoft.com/office/drawing/2014/main" id="{8867E25B-AFC4-89D6-2969-1C9DEB94F881}"/>
+              </a:ext>
+            </a:extLst>
+          </p:cNvPr>
+          <p:cNvSpPr txBox="1"/>
+          <p:nvPr/>
+        </p:nvSpPr>
+        <p:spPr>
+          <a:xfrm>
+            <a:off x="0" y="0"/>
+            <a:ext cx="1868905" cy="584775"/>
+          </a:xfrm>
+          <a:prstGeom prst="rect">
+            <a:avLst/>
+          </a:prstGeom>
+          <a:noFill/>
+        </p:spPr>
+        <p:txBody>
+          <a:bodyPr wrap="square" rtlCol="0">
+            <a:spAutoFit/>
+          </a:bodyPr>
+          <a:lstStyle/>
+          <a:p>
+            <a:r>
+              <a:rPr lang="en" sz="3200" dirty="0">
+                <a:solidFill>
+                  <a:schemeClr val="bg2"/>
+                </a:solidFill>
+                <a:latin typeface="KoHo" pitchFamily="2" charset="-34"/>
+                <a:cs typeface="KoHo" pitchFamily="2" charset="-34"/>
+              </a:rPr>
+              <a:t>Sources</a:t>
+            </a:r>
+            <a:endParaRPr lang="en-US" sz="3200" dirty="0">
+              <a:solidFill>
+                <a:schemeClr val="bg2"/>
+              </a:solidFill>
+              <a:latin typeface="KoHo" pitchFamily="2" charset="-34"/>
+              <a:cs typeface="KoHo" pitchFamily="2" charset="-34"/>
+            </a:endParaRPr>
+          </a:p>
+        </p:txBody>
+      </p:sp>
+      <p:sp>
+        <p:nvSpPr>
+          <p:cNvPr id="14" name="TextBox 13">
+            <a:extLst>
+              <a:ext uri="{FF2B5EF4-FFF2-40B4-BE49-F238E27FC236}">
+                <a16:creationId xmlns:a16="http://schemas.microsoft.com/office/drawing/2014/main" id="{684321D9-F81C-B7FD-EE7F-A335BED6ED67}"/>
+              </a:ext>
+            </a:extLst>
+          </p:cNvPr>
+          <p:cNvSpPr txBox="1"/>
+          <p:nvPr/>
+        </p:nvSpPr>
+        <p:spPr>
+          <a:xfrm>
+            <a:off x="288146" y="2930540"/>
+            <a:ext cx="6841888" cy="1200329"/>
+          </a:xfrm>
+          <a:prstGeom prst="rect">
+            <a:avLst/>
+          </a:prstGeom>
+          <a:noFill/>
+        </p:spPr>
+        <p:txBody>
+          <a:bodyPr wrap="square" rtlCol="0">
+            <a:spAutoFit/>
+          </a:bodyPr>
+          <a:lstStyle/>
+          <a:p>
+            <a:r>
+              <a:rPr lang="en-US" sz="2400" dirty="0">
+                <a:solidFill>
+                  <a:schemeClr val="tx1"/>
+                </a:solidFill>
+                <a:latin typeface="KoHo" pitchFamily="2" charset="-34"/>
+                <a:cs typeface="KoHo" pitchFamily="2" charset="-34"/>
+              </a:rPr>
+              <a:t>Login --&gt; Landing Page --&gt; Data upload --&gt; Data view --&gt; Privacy editing --&gt; Data query</a:t>
+            </a:r>
+          </a:p>
+          <a:p>
+            <a:endParaRPr lang="en-US" sz="2400" dirty="0">
+              <a:solidFill>
+                <a:schemeClr val="tx1"/>
+              </a:solidFill>
+              <a:latin typeface="KoHo" pitchFamily="2" charset="-34"/>
+              <a:cs typeface="KoHo" pitchFamily="2" charset="-34"/>
+            </a:endParaRPr>
+          </a:p>
+        </p:txBody>
+      </p:sp>
+      <p:cxnSp>
+        <p:nvCxnSpPr>
+          <p:cNvPr id="17" name="Straight Connector 16">
+            <a:extLst>
+              <a:ext uri="{FF2B5EF4-FFF2-40B4-BE49-F238E27FC236}">
+                <a16:creationId xmlns:a16="http://schemas.microsoft.com/office/drawing/2014/main" id="{9504BD40-3132-65FE-5F59-287BC20E5F98}"/>
+              </a:ext>
+            </a:extLst>
+          </p:cNvPr>
+          <p:cNvCxnSpPr>
+            <a:cxnSpLocks/>
+          </p:cNvCxnSpPr>
+          <p:nvPr/>
+        </p:nvCxnSpPr>
+        <p:spPr>
+          <a:xfrm flipV="1">
+            <a:off x="91440" y="584775"/>
+            <a:ext cx="5166360" cy="3151"/>
+          </a:xfrm>
+          <a:prstGeom prst="line">
+            <a:avLst/>
+          </a:prstGeom>
+          <a:ln>
+            <a:solidFill>
+              <a:srgbClr val="161616"/>
+            </a:solidFill>
+          </a:ln>
+        </p:spPr>
+        <p:style>
+          <a:lnRef idx="1">
+            <a:schemeClr val="accent1"/>
+          </a:lnRef>
+          <a:fillRef idx="0">
+            <a:schemeClr val="accent1"/>
+          </a:fillRef>
+          <a:effectRef idx="0">
+            <a:schemeClr val="accent1"/>
+          </a:effectRef>
+          <a:fontRef idx="minor">
+            <a:schemeClr val="tx1"/>
+          </a:fontRef>
+        </p:style>
+      </p:cxnSp>
+      <p:sp>
+        <p:nvSpPr>
+          <p:cNvPr id="3" name="TextBox 2">
+            <a:extLst>
+              <a:ext uri="{FF2B5EF4-FFF2-40B4-BE49-F238E27FC236}">
+                <a16:creationId xmlns:a16="http://schemas.microsoft.com/office/drawing/2014/main" id="{E193DEE9-93E9-A4FB-22DD-E811561CE1AD}"/>
+              </a:ext>
+            </a:extLst>
+          </p:cNvPr>
+          <p:cNvSpPr txBox="1"/>
+          <p:nvPr/>
+        </p:nvSpPr>
+        <p:spPr>
+          <a:xfrm>
+            <a:off x="-7399" y="731740"/>
+            <a:ext cx="4579399" cy="1569660"/>
+          </a:xfrm>
+          <a:prstGeom prst="rect">
+            <a:avLst/>
+          </a:prstGeom>
+          <a:noFill/>
+        </p:spPr>
+        <p:txBody>
+          <a:bodyPr wrap="square" rtlCol="0">
+            <a:spAutoFit/>
+          </a:bodyPr>
+          <a:lstStyle/>
+          <a:p>
+            <a:pPr marL="228600" indent="-228600">
+              <a:buFont typeface="+mj-lt"/>
+              <a:buAutoNum type="arabicPeriod"/>
+            </a:pPr>
+            <a:r>
+              <a:rPr lang="en-US" sz="1000" dirty="0">
+                <a:solidFill>
+                  <a:schemeClr val="bg2"/>
+                </a:solidFill>
+                <a:latin typeface="Apple Symbols" panose="02000000000000000000" pitchFamily="2" charset="-79"/>
+                <a:ea typeface="Apple Symbols" panose="02000000000000000000" pitchFamily="2" charset="-79"/>
+                <a:cs typeface="Apple Symbols" panose="02000000000000000000" pitchFamily="2" charset="-79"/>
+                <a:hlinkClick r:id="rId3"/>
+              </a:rPr>
+              <a:t>https://www.ultimagenomics.com/publications-and-resources?filter=Literature</a:t>
+            </a:r>
+            <a:endParaRPr lang="en-US" sz="1000" dirty="0">
+              <a:solidFill>
+                <a:schemeClr val="bg2"/>
+              </a:solidFill>
+              <a:latin typeface="Apple Symbols" panose="02000000000000000000" pitchFamily="2" charset="-79"/>
+              <a:ea typeface="Apple Symbols" panose="02000000000000000000" pitchFamily="2" charset="-79"/>
+              <a:cs typeface="Apple Symbols" panose="02000000000000000000" pitchFamily="2" charset="-79"/>
+            </a:endParaRPr>
+          </a:p>
+          <a:p>
+            <a:pPr marL="228600" indent="-228600">
+              <a:buFont typeface="+mj-lt"/>
+              <a:buAutoNum type="arabicPeriod"/>
+            </a:pPr>
+            <a:r>
+              <a:rPr lang="en-US" sz="1000" dirty="0">
+                <a:solidFill>
+                  <a:schemeClr val="bg2"/>
+                </a:solidFill>
+                <a:latin typeface="Apple Symbols" panose="02000000000000000000" pitchFamily="2" charset="-79"/>
+                <a:ea typeface="Apple Symbols" panose="02000000000000000000" pitchFamily="2" charset="-79"/>
+                <a:cs typeface="Apple Symbols" panose="02000000000000000000" pitchFamily="2" charset="-79"/>
+              </a:rPr>
+              <a:t>10.31887/DCNS.2016.18.3/</a:t>
+            </a:r>
+            <a:r>
+              <a:rPr lang="en-US" sz="1000" dirty="0" err="1">
+                <a:solidFill>
+                  <a:schemeClr val="bg2"/>
+                </a:solidFill>
+                <a:latin typeface="Apple Symbols" panose="02000000000000000000" pitchFamily="2" charset="-79"/>
+                <a:ea typeface="Apple Symbols" panose="02000000000000000000" pitchFamily="2" charset="-79"/>
+                <a:cs typeface="Apple Symbols" panose="02000000000000000000" pitchFamily="2" charset="-79"/>
+              </a:rPr>
+              <a:t>jkrier</a:t>
+            </a:r>
+            <a:endParaRPr lang="en-US" sz="1000" dirty="0">
+              <a:solidFill>
+                <a:schemeClr val="bg2"/>
+              </a:solidFill>
+              <a:latin typeface="Apple Symbols" panose="02000000000000000000" pitchFamily="2" charset="-79"/>
+              <a:ea typeface="Apple Symbols" panose="02000000000000000000" pitchFamily="2" charset="-79"/>
+              <a:cs typeface="Apple Symbols" panose="02000000000000000000" pitchFamily="2" charset="-79"/>
+            </a:endParaRPr>
+          </a:p>
+          <a:p>
+            <a:pPr marL="228600" indent="-228600">
+              <a:buFont typeface="+mj-lt"/>
+              <a:buAutoNum type="arabicPeriod"/>
+            </a:pPr>
+            <a:r>
+              <a:rPr lang="en-US" sz="1000" dirty="0" err="1">
+                <a:solidFill>
+                  <a:schemeClr val="bg2"/>
+                </a:solidFill>
+                <a:latin typeface="Apple Symbols" panose="02000000000000000000" pitchFamily="2" charset="-79"/>
+                <a:ea typeface="Apple Symbols" panose="02000000000000000000" pitchFamily="2" charset="-79"/>
+                <a:cs typeface="Apple Symbols" panose="02000000000000000000" pitchFamily="2" charset="-79"/>
+              </a:rPr>
+              <a:t>Wetterstrand</a:t>
+            </a:r>
+            <a:r>
+              <a:rPr lang="en-US" sz="1000" dirty="0">
+                <a:solidFill>
+                  <a:schemeClr val="bg2"/>
+                </a:solidFill>
+                <a:latin typeface="Apple Symbols" panose="02000000000000000000" pitchFamily="2" charset="-79"/>
+                <a:ea typeface="Apple Symbols" panose="02000000000000000000" pitchFamily="2" charset="-79"/>
+                <a:cs typeface="Apple Symbols" panose="02000000000000000000" pitchFamily="2" charset="-79"/>
+              </a:rPr>
+              <a:t> KA. DNA Sequencing Costs: Data from the NHGRI Genome Sequencing Program (GSP) www.genome.gov/sequencingcostsdata. Accessed 12/04/24.</a:t>
+            </a:r>
+          </a:p>
+          <a:p>
+            <a:pPr marL="228600" indent="-228600">
+              <a:buFont typeface="+mj-lt"/>
+              <a:buAutoNum type="arabicPeriod"/>
+            </a:pPr>
+            <a:endParaRPr lang="en-US" sz="800" dirty="0">
+              <a:solidFill>
+                <a:schemeClr val="bg2"/>
+              </a:solidFill>
+              <a:latin typeface="Apple Symbols" panose="02000000000000000000" pitchFamily="2" charset="-79"/>
+              <a:ea typeface="Apple Symbols" panose="02000000000000000000" pitchFamily="2" charset="-79"/>
+              <a:cs typeface="Apple Symbols" panose="02000000000000000000" pitchFamily="2" charset="-79"/>
+            </a:endParaRPr>
+          </a:p>
+          <a:p>
+            <a:pPr marL="228600" indent="-228600">
+              <a:buFont typeface="+mj-lt"/>
+              <a:buAutoNum type="arabicPeriod"/>
+            </a:pPr>
+            <a:endParaRPr lang="en-US" sz="800" dirty="0">
+              <a:solidFill>
+                <a:schemeClr val="bg2"/>
+              </a:solidFill>
+              <a:latin typeface="Apple Symbols" panose="02000000000000000000" pitchFamily="2" charset="-79"/>
+              <a:ea typeface="Apple Symbols" panose="02000000000000000000" pitchFamily="2" charset="-79"/>
+              <a:cs typeface="Apple Symbols" panose="02000000000000000000" pitchFamily="2" charset="-79"/>
+            </a:endParaRPr>
+          </a:p>
+          <a:p>
+            <a:endParaRPr lang="en-US" sz="1000" dirty="0">
+              <a:solidFill>
+                <a:schemeClr val="bg2"/>
+              </a:solidFill>
+              <a:latin typeface="Apple Symbols" panose="02000000000000000000" pitchFamily="2" charset="-79"/>
+              <a:ea typeface="Apple Symbols" panose="02000000000000000000" pitchFamily="2" charset="-79"/>
+              <a:cs typeface="Apple Symbols" panose="02000000000000000000" pitchFamily="2" charset="-79"/>
+            </a:endParaRPr>
+          </a:p>
+          <a:p>
+            <a:endParaRPr lang="en-US" sz="1000" dirty="0">
+              <a:solidFill>
+                <a:schemeClr val="bg2"/>
+              </a:solidFill>
+              <a:latin typeface="Apple Symbols" panose="02000000000000000000" pitchFamily="2" charset="-79"/>
+              <a:ea typeface="Apple Symbols" panose="02000000000000000000" pitchFamily="2" charset="-79"/>
+              <a:cs typeface="Apple Symbols" panose="02000000000000000000" pitchFamily="2" charset="-79"/>
+            </a:endParaRPr>
+          </a:p>
+        </p:txBody>
+      </p:sp>
+    </p:spTree>
+    <p:extLst>
+      <p:ext uri="{BB962C8B-B14F-4D97-AF65-F5344CB8AC3E}">
+        <p14:creationId xmlns:p14="http://schemas.microsoft.com/office/powerpoint/2010/main" val="1796558913"/>
+      </p:ext>
+    </p:extLst>
+  </p:cSld>
+  <p:clrMapOvr>
+    <a:masterClrMapping/>
+  </p:clrMapOvr>
+</p:sld>
+</file>
+
+<file path=ppt/slides/slide11.xml><?xml version="1.0" encoding="utf-8"?>
+<p:sld xmlns:a="http://schemas.openxmlformats.org/drawingml/2006/main" xmlns:r="http://schemas.openxmlformats.org/officeDocument/2006/relationships" xmlns:p="http://schemas.openxmlformats.org/presentationml/2006/main">
+  <p:cSld>
+    <p:spTree>
+      <p:nvGrpSpPr>
         <p:cNvPr id="1" name="Shape 125"/>
         <p:cNvGrpSpPr/>
         <p:nvPr/>
@@ -7439,7 +7888,7 @@
 </p:sld>
 </file>
 
-<file path=ppt/slides/slide11.xml><?xml version="1.0" encoding="utf-8"?>
+<file path=ppt/slides/slide12.xml><?xml version="1.0" encoding="utf-8"?>
 <p:sld xmlns:a="http://schemas.openxmlformats.org/drawingml/2006/main" xmlns:r="http://schemas.openxmlformats.org/officeDocument/2006/relationships" xmlns:p="http://schemas.openxmlformats.org/presentationml/2006/main">
   <p:cSld>
     <p:spTree>
@@ -7701,7 +8150,7 @@
 </p:sld>
 </file>
 
-<file path=ppt/slides/slide12.xml><?xml version="1.0" encoding="utf-8"?>
+<file path=ppt/slides/slide13.xml><?xml version="1.0" encoding="utf-8"?>
 <p:sld xmlns:a="http://schemas.openxmlformats.org/drawingml/2006/main" xmlns:r="http://schemas.openxmlformats.org/officeDocument/2006/relationships" xmlns:p="http://schemas.openxmlformats.org/presentationml/2006/main">
   <p:cSld>
     <p:spTree>
@@ -8385,7 +8834,7 @@
         </p:nvGrpSpPr>
         <p:grpSpPr>
           <a:xfrm>
-            <a:off x="4487" y="1285657"/>
+            <a:off x="0" y="1251546"/>
             <a:ext cx="4579399" cy="2640408"/>
             <a:chOff x="-55105" y="1285657"/>
             <a:chExt cx="4579399" cy="2640408"/>
@@ -8486,51 +8935,7 @@
                   <a:ea typeface="Apple Symbols" panose="02000000000000000000" pitchFamily="2" charset="-79"/>
                   <a:cs typeface="Apple Symbols" panose="02000000000000000000" pitchFamily="2" charset="-79"/>
                 </a:rPr>
-                <a:t> KA. DNA Sequencing Costs: Data from the NHGRI Genome Sequencing Program (GSP) </a:t>
-              </a:r>
-              <a:r>
-                <a:rPr lang="en-US" sz="600" dirty="0" err="1">
-                  <a:solidFill>
-                    <a:schemeClr val="tx1"/>
-                  </a:solidFill>
-                  <a:latin typeface="Apple Symbols" panose="02000000000000000000" pitchFamily="2" charset="-79"/>
-                  <a:ea typeface="Apple Symbols" panose="02000000000000000000" pitchFamily="2" charset="-79"/>
-                  <a:cs typeface="Apple Symbols" panose="02000000000000000000" pitchFamily="2" charset="-79"/>
-                </a:rPr>
-                <a:t>www.genome.gov</a:t>
-              </a:r>
-              <a:r>
-                <a:rPr lang="en-US" sz="600" dirty="0">
-                  <a:solidFill>
-                    <a:schemeClr val="tx1"/>
-                  </a:solidFill>
-                  <a:latin typeface="Apple Symbols" panose="02000000000000000000" pitchFamily="2" charset="-79"/>
-                  <a:ea typeface="Apple Symbols" panose="02000000000000000000" pitchFamily="2" charset="-79"/>
-                  <a:cs typeface="Apple Symbols" panose="02000000000000000000" pitchFamily="2" charset="-79"/>
-                </a:rPr>
-                <a:t>/</a:t>
-              </a:r>
-              <a:r>
-                <a:rPr lang="en-US" sz="600" dirty="0" err="1">
-                  <a:solidFill>
-                    <a:schemeClr val="tx1"/>
-                  </a:solidFill>
-                  <a:latin typeface="Apple Symbols" panose="02000000000000000000" pitchFamily="2" charset="-79"/>
-                  <a:ea typeface="Apple Symbols" panose="02000000000000000000" pitchFamily="2" charset="-79"/>
-                  <a:cs typeface="Apple Symbols" panose="02000000000000000000" pitchFamily="2" charset="-79"/>
-                </a:rPr>
-                <a:t>sequencingcostsdata</a:t>
-              </a:r>
-              <a:r>
-                <a:rPr lang="en-US" sz="600" dirty="0">
-                  <a:solidFill>
-                    <a:schemeClr val="tx1"/>
-                  </a:solidFill>
-                  <a:latin typeface="Apple Symbols" panose="02000000000000000000" pitchFamily="2" charset="-79"/>
-                  <a:ea typeface="Apple Symbols" panose="02000000000000000000" pitchFamily="2" charset="-79"/>
-                  <a:cs typeface="Apple Symbols" panose="02000000000000000000" pitchFamily="2" charset="-79"/>
-                </a:rPr>
-                <a:t>. Accessed 12/04/24.</a:t>
+                <a:t> KA. Accessed 12/04/24.</a:t>
               </a:r>
             </a:p>
           </p:txBody>
@@ -8591,103 +8996,6 @@
               <a:latin typeface="KoHo" pitchFamily="2" charset="-34"/>
               <a:cs typeface="KoHo" pitchFamily="2" charset="-34"/>
             </a:endParaRPr>
-          </a:p>
-        </p:txBody>
-      </p:sp>
-      <p:sp>
-        <p:nvSpPr>
-          <p:cNvPr id="26" name="TextBox 25">
-            <a:extLst>
-              <a:ext uri="{FF2B5EF4-FFF2-40B4-BE49-F238E27FC236}">
-                <a16:creationId xmlns:a16="http://schemas.microsoft.com/office/drawing/2014/main" id="{D1D779F1-A834-C23B-571E-2934F0B72A84}"/>
-              </a:ext>
-            </a:extLst>
-          </p:cNvPr>
-          <p:cNvSpPr txBox="1"/>
-          <p:nvPr/>
-        </p:nvSpPr>
-        <p:spPr>
-          <a:xfrm>
-            <a:off x="-7399" y="4958834"/>
-            <a:ext cx="4579399" cy="184666"/>
-          </a:xfrm>
-          <a:prstGeom prst="rect">
-            <a:avLst/>
-          </a:prstGeom>
-          <a:noFill/>
-        </p:spPr>
-        <p:txBody>
-          <a:bodyPr wrap="square" rtlCol="0">
-            <a:spAutoFit/>
-          </a:bodyPr>
-          <a:lstStyle/>
-          <a:p>
-            <a:r>
-              <a:rPr lang="en-US" sz="600" baseline="30000" dirty="0">
-                <a:solidFill>
-                  <a:srgbClr val="FF0000"/>
-                </a:solidFill>
-                <a:latin typeface="Apple Symbols" panose="02000000000000000000" pitchFamily="2" charset="-79"/>
-                <a:ea typeface="Apple Symbols" panose="02000000000000000000" pitchFamily="2" charset="-79"/>
-                <a:cs typeface="Apple Symbols" panose="02000000000000000000" pitchFamily="2" charset="-79"/>
-              </a:rPr>
-              <a:t>1</a:t>
-            </a:r>
-            <a:r>
-              <a:rPr lang="en-US" sz="600" dirty="0">
-                <a:solidFill>
-                  <a:srgbClr val="FF0000"/>
-                </a:solidFill>
-                <a:latin typeface="Apple Symbols" panose="02000000000000000000" pitchFamily="2" charset="-79"/>
-                <a:ea typeface="Apple Symbols" panose="02000000000000000000" pitchFamily="2" charset="-79"/>
-                <a:cs typeface="Apple Symbols" panose="02000000000000000000" pitchFamily="2" charset="-79"/>
-              </a:rPr>
-              <a:t> https://</a:t>
-            </a:r>
-            <a:r>
-              <a:rPr lang="en-US" sz="600" dirty="0" err="1">
-                <a:solidFill>
-                  <a:srgbClr val="FF0000"/>
-                </a:solidFill>
-                <a:latin typeface="Apple Symbols" panose="02000000000000000000" pitchFamily="2" charset="-79"/>
-                <a:ea typeface="Apple Symbols" panose="02000000000000000000" pitchFamily="2" charset="-79"/>
-                <a:cs typeface="Apple Symbols" panose="02000000000000000000" pitchFamily="2" charset="-79"/>
-              </a:rPr>
-              <a:t>www.ultimagenomics.com</a:t>
-            </a:r>
-            <a:r>
-              <a:rPr lang="en-US" sz="600" dirty="0">
-                <a:solidFill>
-                  <a:srgbClr val="FF0000"/>
-                </a:solidFill>
-                <a:latin typeface="Apple Symbols" panose="02000000000000000000" pitchFamily="2" charset="-79"/>
-                <a:ea typeface="Apple Symbols" panose="02000000000000000000" pitchFamily="2" charset="-79"/>
-                <a:cs typeface="Apple Symbols" panose="02000000000000000000" pitchFamily="2" charset="-79"/>
-              </a:rPr>
-              <a:t>/</a:t>
-            </a:r>
-            <a:r>
-              <a:rPr lang="en-US" sz="600" dirty="0" err="1">
-                <a:solidFill>
-                  <a:srgbClr val="FF0000"/>
-                </a:solidFill>
-                <a:latin typeface="Apple Symbols" panose="02000000000000000000" pitchFamily="2" charset="-79"/>
-                <a:ea typeface="Apple Symbols" panose="02000000000000000000" pitchFamily="2" charset="-79"/>
-                <a:cs typeface="Apple Symbols" panose="02000000000000000000" pitchFamily="2" charset="-79"/>
-              </a:rPr>
-              <a:t>publications-and-resources?filter</a:t>
-            </a:r>
-            <a:r>
-              <a:rPr lang="en-US" sz="600" dirty="0">
-                <a:solidFill>
-                  <a:srgbClr val="FF0000"/>
-                </a:solidFill>
-                <a:latin typeface="Apple Symbols" panose="02000000000000000000" pitchFamily="2" charset="-79"/>
-                <a:ea typeface="Apple Symbols" panose="02000000000000000000" pitchFamily="2" charset="-79"/>
-                <a:cs typeface="Apple Symbols" panose="02000000000000000000" pitchFamily="2" charset="-79"/>
-              </a:rPr>
-              <a:t>=Literature</a:t>
-            </a:r>
           </a:p>
         </p:txBody>
       </p:sp>
@@ -9010,7 +9318,7 @@
         </p:nvSpPr>
         <p:spPr>
           <a:xfrm>
-            <a:off x="288146" y="2750588"/>
+            <a:off x="296167" y="938717"/>
             <a:ext cx="1994154" cy="461665"/>
           </a:xfrm>
           <a:prstGeom prst="rect">

--- a/SolidSymposium2024_EDC.pptx
+++ b/SolidSymposium2024_EDC.pptx
@@ -5,7 +5,7 @@
     <p:sldMasterId id="2147483659" r:id="rId1"/>
   </p:sldMasterIdLst>
   <p:notesMasterIdLst>
-    <p:notesMasterId r:id="rId15"/>
+    <p:notesMasterId r:id="rId16"/>
   </p:notesMasterIdLst>
   <p:sldIdLst>
     <p:sldId id="256" r:id="rId2"/>
@@ -13,14 +13,15 @@
     <p:sldId id="270" r:id="rId4"/>
     <p:sldId id="271" r:id="rId5"/>
     <p:sldId id="273" r:id="rId6"/>
-    <p:sldId id="274" r:id="rId7"/>
-    <p:sldId id="275" r:id="rId8"/>
-    <p:sldId id="276" r:id="rId9"/>
-    <p:sldId id="277" r:id="rId10"/>
-    <p:sldId id="279" r:id="rId11"/>
-    <p:sldId id="268" r:id="rId12"/>
-    <p:sldId id="269" r:id="rId13"/>
-    <p:sldId id="278" r:id="rId14"/>
+    <p:sldId id="280" r:id="rId7"/>
+    <p:sldId id="274" r:id="rId8"/>
+    <p:sldId id="275" r:id="rId9"/>
+    <p:sldId id="276" r:id="rId10"/>
+    <p:sldId id="277" r:id="rId11"/>
+    <p:sldId id="279" r:id="rId12"/>
+    <p:sldId id="268" r:id="rId13"/>
+    <p:sldId id="269" r:id="rId14"/>
+    <p:sldId id="278" r:id="rId15"/>
   </p:sldIdLst>
   <p:sldSz cx="9144000" cy="5143500" type="screen16x9"/>
   <p:notesSz cx="6858000" cy="9144000"/>
@@ -267,6 +268,7 @@
             <p14:sldId id="270"/>
             <p14:sldId id="271"/>
             <p14:sldId id="273"/>
+            <p14:sldId id="280"/>
           </p14:sldIdLst>
         </p14:section>
         <p14:section name="Implementation Considerations" id="{ADB3859D-199A-8B40-8EE5-E5C791A4C628}">
@@ -293,7 +295,7 @@
     </p:ext>
     <p:ext uri="{EFAFB233-063F-42B5-8137-9DF3F51BA10A}">
       <p15:sldGuideLst xmlns:p15="http://schemas.microsoft.com/office/powerpoint/2012/main">
-        <p15:guide id="1" orient="horz" pos="1620">
+        <p15:guide id="1" orient="horz" pos="1620" userDrawn="1">
           <p15:clr>
             <a:srgbClr val="747775"/>
           </p15:clr>
@@ -953,6 +955,115 @@
     </p:spTree>
     <p:extLst>
       <p:ext uri="{BB962C8B-B14F-4D97-AF65-F5344CB8AC3E}">
+        <p14:creationId xmlns:p14="http://schemas.microsoft.com/office/powerpoint/2010/main" val="1558041874"/>
+      </p:ext>
+    </p:extLst>
+  </p:cSld>
+  <p:clrMapOvr>
+    <a:masterClrMapping/>
+  </p:clrMapOvr>
+</p:notes>
+</file>
+
+<file path=ppt/notesSlides/notesSlide11.xml><?xml version="1.0" encoding="utf-8"?>
+<p:notes xmlns:a="http://schemas.openxmlformats.org/drawingml/2006/main" xmlns:r="http://schemas.openxmlformats.org/officeDocument/2006/relationships" xmlns:p="http://schemas.openxmlformats.org/presentationml/2006/main" showMasterSp="0" showMasterPhAnim="0">
+  <p:cSld>
+    <p:spTree>
+      <p:nvGrpSpPr>
+        <p:cNvPr id="1" name="Shape 62"/>
+        <p:cNvGrpSpPr/>
+        <p:nvPr/>
+      </p:nvGrpSpPr>
+      <p:grpSpPr>
+        <a:xfrm>
+          <a:off x="0" y="0"/>
+          <a:ext cx="0" cy="0"/>
+          <a:chOff x="0" y="0"/>
+          <a:chExt cx="0" cy="0"/>
+        </a:xfrm>
+      </p:grpSpPr>
+      <p:sp>
+        <p:nvSpPr>
+          <p:cNvPr id="63" name="Google Shape;63;g2cb33ae42cd_0_45:notes"/>
+          <p:cNvSpPr>
+            <a:spLocks noGrp="1" noRot="1" noChangeAspect="1"/>
+          </p:cNvSpPr>
+          <p:nvPr>
+            <p:ph type="sldImg" idx="2"/>
+          </p:nvPr>
+        </p:nvSpPr>
+        <p:spPr>
+          <a:xfrm>
+            <a:off x="381000" y="685800"/>
+            <a:ext cx="6096000" cy="3429000"/>
+          </a:xfrm>
+          <a:custGeom>
+            <a:avLst/>
+            <a:gdLst/>
+            <a:ahLst/>
+            <a:cxnLst/>
+            <a:rect l="l" t="t" r="r" b="b"/>
+            <a:pathLst>
+              <a:path w="120000" h="120000" extrusionOk="0">
+                <a:moveTo>
+                  <a:pt x="0" y="0"/>
+                </a:moveTo>
+                <a:lnTo>
+                  <a:pt x="120000" y="0"/>
+                </a:lnTo>
+                <a:lnTo>
+                  <a:pt x="120000" y="120000"/>
+                </a:lnTo>
+                <a:lnTo>
+                  <a:pt x="0" y="120000"/>
+                </a:lnTo>
+                <a:close/>
+              </a:path>
+            </a:pathLst>
+          </a:custGeom>
+        </p:spPr>
+      </p:sp>
+      <p:sp>
+        <p:nvSpPr>
+          <p:cNvPr id="64" name="Google Shape;64;g2cb33ae42cd_0_45:notes"/>
+          <p:cNvSpPr txBox="1">
+            <a:spLocks noGrp="1"/>
+          </p:cNvSpPr>
+          <p:nvPr>
+            <p:ph type="body" idx="1"/>
+          </p:nvPr>
+        </p:nvSpPr>
+        <p:spPr>
+          <a:xfrm>
+            <a:off x="685800" y="4343400"/>
+            <a:ext cx="5486400" cy="4114800"/>
+          </a:xfrm>
+          <a:prstGeom prst="rect">
+            <a:avLst/>
+          </a:prstGeom>
+        </p:spPr>
+        <p:txBody>
+          <a:bodyPr spcFirstLastPara="1" wrap="square" lIns="91425" tIns="91425" rIns="91425" bIns="91425" anchor="t" anchorCtr="0">
+            <a:noAutofit/>
+          </a:bodyPr>
+          <a:lstStyle/>
+          <a:p>
+            <a:pPr marL="0" lvl="0" indent="0" algn="l" rtl="0">
+              <a:spcBef>
+                <a:spcPts val="0"/>
+              </a:spcBef>
+              <a:spcAft>
+                <a:spcPts val="0"/>
+              </a:spcAft>
+              <a:buNone/>
+            </a:pPr>
+            <a:endParaRPr dirty="0"/>
+          </a:p>
+        </p:txBody>
+      </p:sp>
+    </p:spTree>
+    <p:extLst>
+      <p:ext uri="{BB962C8B-B14F-4D97-AF65-F5344CB8AC3E}">
         <p14:creationId xmlns:p14="http://schemas.microsoft.com/office/powerpoint/2010/main" val="2687315989"/>
       </p:ext>
     </p:extLst>
@@ -963,7 +1074,7 @@
 </p:notes>
 </file>
 
-<file path=ppt/notesSlides/notesSlide11.xml><?xml version="1.0" encoding="utf-8"?>
+<file path=ppt/notesSlides/notesSlide12.xml><?xml version="1.0" encoding="utf-8"?>
 <p:notes xmlns:a="http://schemas.openxmlformats.org/drawingml/2006/main" xmlns:r="http://schemas.openxmlformats.org/officeDocument/2006/relationships" xmlns:p="http://schemas.openxmlformats.org/presentationml/2006/main" showMasterSp="0" showMasterPhAnim="0">
   <p:cSld>
     <p:spTree>
@@ -1067,7 +1178,7 @@
 </p:notes>
 </file>
 
-<file path=ppt/notesSlides/notesSlide12.xml><?xml version="1.0" encoding="utf-8"?>
+<file path=ppt/notesSlides/notesSlide13.xml><?xml version="1.0" encoding="utf-8"?>
 <p:notes xmlns:a="http://schemas.openxmlformats.org/drawingml/2006/main" xmlns:r="http://schemas.openxmlformats.org/officeDocument/2006/relationships" xmlns:p="http://schemas.openxmlformats.org/presentationml/2006/main" showMasterSp="0" showMasterPhAnim="0">
   <p:cSld>
     <p:spTree>
@@ -1176,7 +1287,7 @@
 </p:notes>
 </file>
 
-<file path=ppt/notesSlides/notesSlide13.xml><?xml version="1.0" encoding="utf-8"?>
+<file path=ppt/notesSlides/notesSlide14.xml><?xml version="1.0" encoding="utf-8"?>
 <p:notes xmlns:a="http://schemas.openxmlformats.org/drawingml/2006/main" xmlns:r="http://schemas.openxmlformats.org/officeDocument/2006/relationships" xmlns:p="http://schemas.openxmlformats.org/presentationml/2006/main" showMasterSp="0" showMasterPhAnim="0">
   <p:cSld>
     <p:spTree>
@@ -1815,7 +1926,7 @@
     </p:spTree>
     <p:extLst>
       <p:ext uri="{BB962C8B-B14F-4D97-AF65-F5344CB8AC3E}">
-        <p14:creationId xmlns:p14="http://schemas.microsoft.com/office/powerpoint/2010/main" val="606465154"/>
+        <p14:creationId xmlns:p14="http://schemas.microsoft.com/office/powerpoint/2010/main" val="2569911451"/>
       </p:ext>
     </p:extLst>
   </p:cSld>
@@ -1924,7 +2035,7 @@
     </p:spTree>
     <p:extLst>
       <p:ext uri="{BB962C8B-B14F-4D97-AF65-F5344CB8AC3E}">
-        <p14:creationId xmlns:p14="http://schemas.microsoft.com/office/powerpoint/2010/main" val="948487501"/>
+        <p14:creationId xmlns:p14="http://schemas.microsoft.com/office/powerpoint/2010/main" val="606465154"/>
       </p:ext>
     </p:extLst>
   </p:cSld>
@@ -2033,7 +2144,7 @@
     </p:spTree>
     <p:extLst>
       <p:ext uri="{BB962C8B-B14F-4D97-AF65-F5344CB8AC3E}">
-        <p14:creationId xmlns:p14="http://schemas.microsoft.com/office/powerpoint/2010/main" val="2090130349"/>
+        <p14:creationId xmlns:p14="http://schemas.microsoft.com/office/powerpoint/2010/main" val="948487501"/>
       </p:ext>
     </p:extLst>
   </p:cSld>
@@ -2142,7 +2253,7 @@
     </p:spTree>
     <p:extLst>
       <p:ext uri="{BB962C8B-B14F-4D97-AF65-F5344CB8AC3E}">
-        <p14:creationId xmlns:p14="http://schemas.microsoft.com/office/powerpoint/2010/main" val="1558041874"/>
+        <p14:creationId xmlns:p14="http://schemas.microsoft.com/office/powerpoint/2010/main" val="2090130349"/>
       </p:ext>
     </p:extLst>
   </p:cSld>
@@ -7373,6 +7484,236 @@
 <file path=ppt/slides/slide10.xml><?xml version="1.0" encoding="utf-8"?>
 <p:sld xmlns:a="http://schemas.openxmlformats.org/drawingml/2006/main" xmlns:r="http://schemas.openxmlformats.org/officeDocument/2006/relationships" xmlns:p="http://schemas.openxmlformats.org/presentationml/2006/main">
   <p:cSld>
+    <p:bg>
+      <p:bgPr>
+        <a:solidFill>
+          <a:schemeClr val="accent3">
+            <a:lumMod val="50000"/>
+          </a:schemeClr>
+        </a:solidFill>
+        <a:effectLst/>
+      </p:bgPr>
+    </p:bg>
+    <p:spTree>
+      <p:nvGrpSpPr>
+        <p:cNvPr id="1" name="Shape 65"/>
+        <p:cNvGrpSpPr/>
+        <p:nvPr/>
+      </p:nvGrpSpPr>
+      <p:grpSpPr>
+        <a:xfrm>
+          <a:off x="0" y="0"/>
+          <a:ext cx="0" cy="0"/>
+          <a:chOff x="0" y="0"/>
+          <a:chExt cx="0" cy="0"/>
+        </a:xfrm>
+      </p:grpSpPr>
+      <p:sp>
+        <p:nvSpPr>
+          <p:cNvPr id="9" name="TextBox 8">
+            <a:extLst>
+              <a:ext uri="{FF2B5EF4-FFF2-40B4-BE49-F238E27FC236}">
+                <a16:creationId xmlns:a16="http://schemas.microsoft.com/office/drawing/2014/main" id="{8867E25B-AFC4-89D6-2969-1C9DEB94F881}"/>
+              </a:ext>
+            </a:extLst>
+          </p:cNvPr>
+          <p:cNvSpPr txBox="1"/>
+          <p:nvPr/>
+        </p:nvSpPr>
+        <p:spPr>
+          <a:xfrm>
+            <a:off x="0" y="0"/>
+            <a:ext cx="7130034" cy="584775"/>
+          </a:xfrm>
+          <a:prstGeom prst="rect">
+            <a:avLst/>
+          </a:prstGeom>
+          <a:noFill/>
+        </p:spPr>
+        <p:txBody>
+          <a:bodyPr wrap="square" rtlCol="0">
+            <a:spAutoFit/>
+          </a:bodyPr>
+          <a:lstStyle/>
+          <a:p>
+            <a:r>
+              <a:rPr lang="en" sz="3200" dirty="0">
+                <a:solidFill>
+                  <a:schemeClr val="tx1"/>
+                </a:solidFill>
+                <a:latin typeface="KoHo" pitchFamily="2" charset="-34"/>
+                <a:cs typeface="KoHo" pitchFamily="2" charset="-34"/>
+              </a:rPr>
+              <a:t>Figma example that follows workflow</a:t>
+            </a:r>
+            <a:endParaRPr lang="en-US" sz="3200" dirty="0">
+              <a:solidFill>
+                <a:schemeClr val="tx1"/>
+              </a:solidFill>
+              <a:latin typeface="KoHo" pitchFamily="2" charset="-34"/>
+              <a:cs typeface="KoHo" pitchFamily="2" charset="-34"/>
+            </a:endParaRPr>
+          </a:p>
+        </p:txBody>
+      </p:sp>
+      <p:sp>
+        <p:nvSpPr>
+          <p:cNvPr id="14" name="TextBox 13">
+            <a:extLst>
+              <a:ext uri="{FF2B5EF4-FFF2-40B4-BE49-F238E27FC236}">
+                <a16:creationId xmlns:a16="http://schemas.microsoft.com/office/drawing/2014/main" id="{684321D9-F81C-B7FD-EE7F-A335BED6ED67}"/>
+              </a:ext>
+            </a:extLst>
+          </p:cNvPr>
+          <p:cNvSpPr txBox="1"/>
+          <p:nvPr/>
+        </p:nvSpPr>
+        <p:spPr>
+          <a:xfrm>
+            <a:off x="288146" y="2930540"/>
+            <a:ext cx="6841888" cy="1200329"/>
+          </a:xfrm>
+          <a:prstGeom prst="rect">
+            <a:avLst/>
+          </a:prstGeom>
+          <a:noFill/>
+        </p:spPr>
+        <p:txBody>
+          <a:bodyPr wrap="square" rtlCol="0">
+            <a:spAutoFit/>
+          </a:bodyPr>
+          <a:lstStyle/>
+          <a:p>
+            <a:r>
+              <a:rPr lang="en-US" sz="2400" dirty="0">
+                <a:solidFill>
+                  <a:schemeClr val="tx1"/>
+                </a:solidFill>
+                <a:latin typeface="KoHo" pitchFamily="2" charset="-34"/>
+                <a:cs typeface="KoHo" pitchFamily="2" charset="-34"/>
+              </a:rPr>
+              <a:t>Login --&gt; Landing Page --&gt; Data upload --&gt; Data view --&gt; Privacy editing --&gt; Data query</a:t>
+            </a:r>
+          </a:p>
+          <a:p>
+            <a:endParaRPr lang="en-US" sz="2400" dirty="0">
+              <a:solidFill>
+                <a:schemeClr val="tx1"/>
+              </a:solidFill>
+              <a:latin typeface="KoHo" pitchFamily="2" charset="-34"/>
+              <a:cs typeface="KoHo" pitchFamily="2" charset="-34"/>
+            </a:endParaRPr>
+          </a:p>
+        </p:txBody>
+      </p:sp>
+      <p:cxnSp>
+        <p:nvCxnSpPr>
+          <p:cNvPr id="17" name="Straight Connector 16">
+            <a:extLst>
+              <a:ext uri="{FF2B5EF4-FFF2-40B4-BE49-F238E27FC236}">
+                <a16:creationId xmlns:a16="http://schemas.microsoft.com/office/drawing/2014/main" id="{9504BD40-3132-65FE-5F59-287BC20E5F98}"/>
+              </a:ext>
+            </a:extLst>
+          </p:cNvPr>
+          <p:cNvCxnSpPr>
+            <a:cxnSpLocks/>
+          </p:cNvCxnSpPr>
+          <p:nvPr/>
+        </p:nvCxnSpPr>
+        <p:spPr>
+          <a:xfrm flipV="1">
+            <a:off x="91440" y="584775"/>
+            <a:ext cx="5166360" cy="3151"/>
+          </a:xfrm>
+          <a:prstGeom prst="line">
+            <a:avLst/>
+          </a:prstGeom>
+          <a:ln>
+            <a:solidFill>
+              <a:schemeClr val="tx1"/>
+            </a:solidFill>
+          </a:ln>
+        </p:spPr>
+        <p:style>
+          <a:lnRef idx="1">
+            <a:schemeClr val="accent1"/>
+          </a:lnRef>
+          <a:fillRef idx="0">
+            <a:schemeClr val="accent1"/>
+          </a:fillRef>
+          <a:effectRef idx="0">
+            <a:schemeClr val="accent1"/>
+          </a:effectRef>
+          <a:fontRef idx="minor">
+            <a:schemeClr val="tx1"/>
+          </a:fontRef>
+        </p:style>
+      </p:cxnSp>
+      <p:sp>
+        <p:nvSpPr>
+          <p:cNvPr id="2" name="TextBox 1">
+            <a:extLst>
+              <a:ext uri="{FF2B5EF4-FFF2-40B4-BE49-F238E27FC236}">
+                <a16:creationId xmlns:a16="http://schemas.microsoft.com/office/drawing/2014/main" id="{B4093E01-E2A9-99B4-BD43-6617C1420E92}"/>
+              </a:ext>
+            </a:extLst>
+          </p:cNvPr>
+          <p:cNvSpPr txBox="1"/>
+          <p:nvPr/>
+        </p:nvSpPr>
+        <p:spPr>
+          <a:xfrm>
+            <a:off x="288146" y="1566629"/>
+            <a:ext cx="7593982" cy="646331"/>
+          </a:xfrm>
+          <a:prstGeom prst="rect">
+            <a:avLst/>
+          </a:prstGeom>
+          <a:noFill/>
+        </p:spPr>
+        <p:txBody>
+          <a:bodyPr wrap="square" rtlCol="0">
+            <a:spAutoFit/>
+          </a:bodyPr>
+          <a:lstStyle/>
+          <a:p>
+            <a:r>
+              <a:rPr lang="en-US" sz="1800" dirty="0">
+                <a:solidFill>
+                  <a:schemeClr val="tx1"/>
+                </a:solidFill>
+                <a:latin typeface="KoHo" pitchFamily="2" charset="-34"/>
+                <a:cs typeface="KoHo" pitchFamily="2" charset="-34"/>
+                <a:hlinkClick r:id="rId3"/>
+              </a:rPr>
+              <a:t>https://www.figma.com/file/wWlla6tzzeS5lXFpEyldvh/GenomePods?type=design&amp;node-id=0%3A1&amp;mode=design&amp;t=wELG5CfY3CA93NPK-1</a:t>
+            </a:r>
+            <a:endParaRPr lang="en-US" sz="1800" dirty="0">
+              <a:solidFill>
+                <a:schemeClr val="tx1"/>
+              </a:solidFill>
+              <a:latin typeface="KoHo" pitchFamily="2" charset="-34"/>
+              <a:cs typeface="KoHo" pitchFamily="2" charset="-34"/>
+            </a:endParaRPr>
+          </a:p>
+        </p:txBody>
+      </p:sp>
+    </p:spTree>
+    <p:extLst>
+      <p:ext uri="{BB962C8B-B14F-4D97-AF65-F5344CB8AC3E}">
+        <p14:creationId xmlns:p14="http://schemas.microsoft.com/office/powerpoint/2010/main" val="3258730855"/>
+      </p:ext>
+    </p:extLst>
+  </p:cSld>
+  <p:clrMapOvr>
+    <a:masterClrMapping/>
+  </p:clrMapOvr>
+</p:sld>
+</file>
+
+<file path=ppt/slides/slide11.xml><?xml version="1.0" encoding="utf-8"?>
+<p:sld xmlns:a="http://schemas.openxmlformats.org/drawingml/2006/main" xmlns:r="http://schemas.openxmlformats.org/officeDocument/2006/relationships" xmlns:p="http://schemas.openxmlformats.org/presentationml/2006/main">
+  <p:cSld>
     <p:spTree>
       <p:nvGrpSpPr>
         <p:cNvPr id="1" name="Shape 65"/>
@@ -7708,7 +8049,7 @@
 </p:sld>
 </file>
 
-<file path=ppt/slides/slide11.xml><?xml version="1.0" encoding="utf-8"?>
+<file path=ppt/slides/slide12.xml><?xml version="1.0" encoding="utf-8"?>
 <p:sld xmlns:a="http://schemas.openxmlformats.org/drawingml/2006/main" xmlns:r="http://schemas.openxmlformats.org/officeDocument/2006/relationships" xmlns:p="http://schemas.openxmlformats.org/presentationml/2006/main">
   <p:cSld>
     <p:spTree>
@@ -7888,7 +8229,7 @@
 </p:sld>
 </file>
 
-<file path=ppt/slides/slide12.xml><?xml version="1.0" encoding="utf-8"?>
+<file path=ppt/slides/slide13.xml><?xml version="1.0" encoding="utf-8"?>
 <p:sld xmlns:a="http://schemas.openxmlformats.org/drawingml/2006/main" xmlns:r="http://schemas.openxmlformats.org/officeDocument/2006/relationships" xmlns:p="http://schemas.openxmlformats.org/presentationml/2006/main">
   <p:cSld>
     <p:spTree>
@@ -8150,7 +8491,7 @@
 </p:sld>
 </file>
 
-<file path=ppt/slides/slide13.xml><?xml version="1.0" encoding="utf-8"?>
+<file path=ppt/slides/slide14.xml><?xml version="1.0" encoding="utf-8"?>
 <p:sld xmlns:a="http://schemas.openxmlformats.org/drawingml/2006/main" xmlns:r="http://schemas.openxmlformats.org/officeDocument/2006/relationships" xmlns:p="http://schemas.openxmlformats.org/presentationml/2006/main">
   <p:cSld>
     <p:spTree>
@@ -8459,9 +8800,7 @@
     <p:bg>
       <p:bgPr>
         <a:solidFill>
-          <a:schemeClr val="accent3">
-            <a:lumMod val="50000"/>
-          </a:schemeClr>
+          <a:srgbClr val="3A4950"/>
         </a:solidFill>
         <a:effectLst/>
       </p:bgPr>
@@ -9269,8 +9608,8 @@
         </p:nvSpPr>
         <p:spPr>
           <a:xfrm>
-            <a:off x="7052310" y="2750588"/>
-            <a:ext cx="1348740" cy="461665"/>
+            <a:off x="0" y="2277346"/>
+            <a:ext cx="3165108" cy="461665"/>
           </a:xfrm>
           <a:prstGeom prst="rect">
             <a:avLst/>
@@ -9292,7 +9631,7 @@
                 <a:latin typeface="KoHo" pitchFamily="2" charset="-34"/>
                 <a:cs typeface="KoHo" pitchFamily="2" charset="-34"/>
               </a:rPr>
-              <a:t>Privacy</a:t>
+              <a:t>Other considerations</a:t>
             </a:r>
             <a:endParaRPr lang="en-US" sz="2400" dirty="0">
               <a:solidFill>
@@ -9318,8 +9657,8 @@
         </p:nvSpPr>
         <p:spPr>
           <a:xfrm>
-            <a:off x="296167" y="938717"/>
-            <a:ext cx="1994154" cy="461665"/>
+            <a:off x="-72802" y="1067054"/>
+            <a:ext cx="8390634" cy="461665"/>
           </a:xfrm>
           <a:prstGeom prst="rect">
             <a:avLst/>
@@ -9341,7 +9680,91 @@
                 <a:latin typeface="KoHo" pitchFamily="2" charset="-34"/>
                 <a:cs typeface="KoHo" pitchFamily="2" charset="-34"/>
               </a:rPr>
-              <a:t>Accessibility</a:t>
+              <a:t>Current state-of-the-art for clinical genomic data sharing??</a:t>
+            </a:r>
+            <a:endParaRPr lang="en-US" sz="2400" dirty="0">
+              <a:solidFill>
+                <a:schemeClr val="tx1"/>
+              </a:solidFill>
+              <a:latin typeface="KoHo" pitchFamily="2" charset="-34"/>
+              <a:cs typeface="KoHo" pitchFamily="2" charset="-34"/>
+            </a:endParaRPr>
+          </a:p>
+        </p:txBody>
+      </p:sp>
+      <p:sp>
+        <p:nvSpPr>
+          <p:cNvPr id="2" name="TextBox 1">
+            <a:extLst>
+              <a:ext uri="{FF2B5EF4-FFF2-40B4-BE49-F238E27FC236}">
+                <a16:creationId xmlns:a16="http://schemas.microsoft.com/office/drawing/2014/main" id="{F70DC018-2CE5-46A8-CDFA-9C0858078F5A}"/>
+              </a:ext>
+            </a:extLst>
+          </p:cNvPr>
+          <p:cNvSpPr txBox="1"/>
+          <p:nvPr/>
+        </p:nvSpPr>
+        <p:spPr>
+          <a:xfrm>
+            <a:off x="256674" y="2829952"/>
+            <a:ext cx="3165108" cy="1569660"/>
+          </a:xfrm>
+          <a:prstGeom prst="rect">
+            <a:avLst/>
+          </a:prstGeom>
+          <a:noFill/>
+        </p:spPr>
+        <p:txBody>
+          <a:bodyPr wrap="square" rtlCol="0">
+            <a:spAutoFit/>
+          </a:bodyPr>
+          <a:lstStyle/>
+          <a:p>
+            <a:r>
+              <a:rPr lang="en" sz="2400" dirty="0">
+                <a:solidFill>
+                  <a:schemeClr val="tx1"/>
+                </a:solidFill>
+                <a:latin typeface="KoHo" pitchFamily="2" charset="-34"/>
+                <a:cs typeface="KoHo" pitchFamily="2" charset="-34"/>
+              </a:rPr>
+              <a:t>Storage?</a:t>
+            </a:r>
+          </a:p>
+          <a:p>
+            <a:r>
+              <a:rPr lang="en" sz="2400" dirty="0">
+                <a:solidFill>
+                  <a:schemeClr val="tx1"/>
+                </a:solidFill>
+                <a:latin typeface="KoHo" pitchFamily="2" charset="-34"/>
+                <a:cs typeface="KoHo" pitchFamily="2" charset="-34"/>
+              </a:rPr>
+              <a:t>Privacy</a:t>
+            </a:r>
+          </a:p>
+          <a:p>
+            <a:r>
+              <a:rPr lang="en" sz="2400" dirty="0">
+                <a:solidFill>
+                  <a:schemeClr val="tx1"/>
+                </a:solidFill>
+                <a:latin typeface="KoHo" pitchFamily="2" charset="-34"/>
+                <a:cs typeface="KoHo" pitchFamily="2" charset="-34"/>
+              </a:rPr>
+              <a:t>Governance?</a:t>
+            </a:r>
+          </a:p>
+          <a:p>
+            <a:r>
+              <a:rPr lang="en" sz="2400" dirty="0">
+                <a:solidFill>
+                  <a:schemeClr val="tx1"/>
+                </a:solidFill>
+                <a:latin typeface="KoHo" pitchFamily="2" charset="-34"/>
+                <a:cs typeface="KoHo" pitchFamily="2" charset="-34"/>
+              </a:rPr>
+              <a:t>Interoperability?</a:t>
             </a:r>
             <a:endParaRPr lang="en-US" sz="2400" dirty="0">
               <a:solidFill>
@@ -9429,7 +9852,7 @@
                 <a:latin typeface="KoHo" pitchFamily="2" charset="-34"/>
                 <a:cs typeface="KoHo" pitchFamily="2" charset="-34"/>
               </a:rPr>
-              <a:t>Technological Limitations</a:t>
+              <a:t>Current Technological Limitations</a:t>
             </a:r>
             <a:endParaRPr lang="en-US" sz="3200" dirty="0">
               <a:solidFill>
@@ -9455,8 +9878,8 @@
         </p:nvSpPr>
         <p:spPr>
           <a:xfrm>
-            <a:off x="288146" y="818276"/>
-            <a:ext cx="1348740" cy="830997"/>
+            <a:off x="0" y="938717"/>
+            <a:ext cx="2230465" cy="461665"/>
           </a:xfrm>
           <a:prstGeom prst="rect">
             <a:avLst/>
@@ -9517,7 +9940,7 @@
         <p:spPr>
           <a:xfrm flipV="1">
             <a:off x="91440" y="584775"/>
-            <a:ext cx="5166360" cy="3151"/>
+            <a:ext cx="5980497" cy="3151"/>
           </a:xfrm>
           <a:prstGeom prst="line">
             <a:avLst/>
@@ -9557,8 +9980,8 @@
         </p:nvSpPr>
         <p:spPr>
           <a:xfrm>
-            <a:off x="4358259" y="2046500"/>
-            <a:ext cx="1799082" cy="830997"/>
+            <a:off x="-40368" y="1613819"/>
+            <a:ext cx="2892773" cy="461665"/>
           </a:xfrm>
           <a:prstGeom prst="rect">
             <a:avLst/>
@@ -9606,8 +10029,8 @@
         </p:nvSpPr>
         <p:spPr>
           <a:xfrm>
-            <a:off x="288146" y="2750588"/>
-            <a:ext cx="1994154" cy="830997"/>
+            <a:off x="0" y="2195442"/>
+            <a:ext cx="2564259" cy="461665"/>
           </a:xfrm>
           <a:prstGeom prst="rect">
             <a:avLst/>
@@ -9630,6 +10053,55 @@
                 <a:cs typeface="KoHo" pitchFamily="2" charset="-34"/>
               </a:rPr>
               <a:t>Data breaches</a:t>
+            </a:r>
+            <a:endParaRPr lang="en-US" sz="2400" dirty="0">
+              <a:solidFill>
+                <a:schemeClr val="tx1"/>
+              </a:solidFill>
+              <a:latin typeface="KoHo" pitchFamily="2" charset="-34"/>
+              <a:cs typeface="KoHo" pitchFamily="2" charset="-34"/>
+            </a:endParaRPr>
+          </a:p>
+        </p:txBody>
+      </p:sp>
+      <p:sp>
+        <p:nvSpPr>
+          <p:cNvPr id="7" name="TextBox 6">
+            <a:extLst>
+              <a:ext uri="{FF2B5EF4-FFF2-40B4-BE49-F238E27FC236}">
+                <a16:creationId xmlns:a16="http://schemas.microsoft.com/office/drawing/2014/main" id="{D2770199-C844-BAA0-DDE3-EE300BF69CD0}"/>
+              </a:ext>
+            </a:extLst>
+          </p:cNvPr>
+          <p:cNvSpPr txBox="1"/>
+          <p:nvPr/>
+        </p:nvSpPr>
+        <p:spPr>
+          <a:xfrm>
+            <a:off x="0" y="2730719"/>
+            <a:ext cx="4203032" cy="461665"/>
+          </a:xfrm>
+          <a:prstGeom prst="rect">
+            <a:avLst/>
+          </a:prstGeom>
+          <a:noFill/>
+        </p:spPr>
+        <p:txBody>
+          <a:bodyPr wrap="square" rtlCol="0">
+            <a:spAutoFit/>
+          </a:bodyPr>
+          <a:lstStyle/>
+          <a:p>
+            <a:pPr algn="ctr"/>
+            <a:r>
+              <a:rPr lang="en" sz="2400" dirty="0">
+                <a:solidFill>
+                  <a:schemeClr val="tx1"/>
+                </a:solidFill>
+                <a:latin typeface="KoHo" pitchFamily="2" charset="-34"/>
+                <a:cs typeface="KoHo" pitchFamily="2" charset="-34"/>
+              </a:rPr>
+              <a:t>Data Format inconsistencies</a:t>
             </a:r>
             <a:endParaRPr lang="en-US" sz="2400" dirty="0">
               <a:solidFill>
@@ -9717,7 +10189,7 @@
                 <a:latin typeface="KoHo" pitchFamily="2" charset="-34"/>
                 <a:cs typeface="KoHo" pitchFamily="2" charset="-34"/>
               </a:rPr>
-              <a:t>Enter Solid (a more ideal storage solution)</a:t>
+              <a:t>Enter Solid</a:t>
             </a:r>
             <a:endParaRPr lang="en-US" sz="3200" dirty="0">
               <a:solidFill>
@@ -9743,8 +10215,8 @@
         </p:nvSpPr>
         <p:spPr>
           <a:xfrm>
-            <a:off x="288146" y="818276"/>
-            <a:ext cx="1348740" cy="830997"/>
+            <a:off x="-24063" y="1931247"/>
+            <a:ext cx="4676274" cy="461665"/>
           </a:xfrm>
           <a:prstGeom prst="rect">
             <a:avLst/>
@@ -9766,7 +10238,7 @@
                 <a:latin typeface="KoHo" pitchFamily="2" charset="-34"/>
                 <a:cs typeface="KoHo" pitchFamily="2" charset="-34"/>
               </a:rPr>
-              <a:t>easier Sharing</a:t>
+              <a:t>easier Sharing – web discovery</a:t>
             </a:r>
             <a:endParaRPr lang="en-US" sz="2400" dirty="0">
               <a:solidFill>
@@ -9793,9 +10265,9 @@
           <p:nvPr/>
         </p:nvCxnSpPr>
         <p:spPr>
-          <a:xfrm flipV="1">
-            <a:off x="91440" y="584775"/>
-            <a:ext cx="5166360" cy="3151"/>
+          <a:xfrm>
+            <a:off x="91440" y="587926"/>
+            <a:ext cx="1986013" cy="0"/>
           </a:xfrm>
           <a:prstGeom prst="line">
             <a:avLst/>
@@ -9835,8 +10307,8 @@
         </p:nvSpPr>
         <p:spPr>
           <a:xfrm>
-            <a:off x="5001768" y="1889296"/>
-            <a:ext cx="2128266" cy="830997"/>
+            <a:off x="91439" y="3988742"/>
+            <a:ext cx="3477929" cy="830997"/>
           </a:xfrm>
           <a:prstGeom prst="rect">
             <a:avLst/>
@@ -9858,17 +10330,7 @@
                 <a:latin typeface="KoHo" pitchFamily="2" charset="-34"/>
                 <a:cs typeface="KoHo" pitchFamily="2" charset="-34"/>
               </a:rPr>
-              <a:t>Data </a:t>
-            </a:r>
-            <a:r>
-              <a:rPr lang="en" sz="2400" dirty="0" err="1">
-                <a:solidFill>
-                  <a:schemeClr val="tx1"/>
-                </a:solidFill>
-                <a:latin typeface="KoHo" pitchFamily="2" charset="-34"/>
-                <a:cs typeface="KoHo" pitchFamily="2" charset="-34"/>
-              </a:rPr>
-              <a:t>queryability</a:t>
+              <a:t>Data representation (and future queryability)</a:t>
             </a:r>
             <a:endParaRPr lang="en-US" sz="2400" dirty="0">
               <a:solidFill>
@@ -9894,8 +10356,8 @@
         </p:nvSpPr>
         <p:spPr>
           <a:xfrm>
-            <a:off x="288146" y="2750588"/>
-            <a:ext cx="1994154" cy="830997"/>
+            <a:off x="373660" y="2447423"/>
+            <a:ext cx="6019118" cy="1200329"/>
           </a:xfrm>
           <a:prstGeom prst="rect">
             <a:avLst/>
@@ -9917,7 +10379,69 @@
                 <a:latin typeface="KoHo" pitchFamily="2" charset="-34"/>
                 <a:cs typeface="KoHo" pitchFamily="2" charset="-34"/>
               </a:rPr>
-              <a:t>privacy controls</a:t>
+              <a:t>granular privacy controls</a:t>
+            </a:r>
+          </a:p>
+          <a:p>
+            <a:pPr algn="ctr"/>
+            <a:r>
+              <a:rPr lang="en" sz="2400" dirty="0">
+                <a:solidFill>
+                  <a:schemeClr val="tx1"/>
+                </a:solidFill>
+                <a:latin typeface="KoHo" pitchFamily="2" charset="-34"/>
+                <a:cs typeface="KoHo" pitchFamily="2" charset="-34"/>
+              </a:rPr>
+              <a:t>For both user (patient/physician) and admin (hospital DPO))</a:t>
+            </a:r>
+            <a:endParaRPr lang="en-US" sz="2400" dirty="0">
+              <a:solidFill>
+                <a:schemeClr val="tx1"/>
+              </a:solidFill>
+              <a:latin typeface="KoHo" pitchFamily="2" charset="-34"/>
+              <a:cs typeface="KoHo" pitchFamily="2" charset="-34"/>
+            </a:endParaRPr>
+          </a:p>
+        </p:txBody>
+      </p:sp>
+      <p:sp>
+        <p:nvSpPr>
+          <p:cNvPr id="3" name="TextBox 2">
+            <a:extLst>
+              <a:ext uri="{FF2B5EF4-FFF2-40B4-BE49-F238E27FC236}">
+                <a16:creationId xmlns:a16="http://schemas.microsoft.com/office/drawing/2014/main" id="{530F411D-34BF-00EB-3250-6FDA6DD1F777}"/>
+              </a:ext>
+            </a:extLst>
+          </p:cNvPr>
+          <p:cNvSpPr txBox="1"/>
+          <p:nvPr/>
+        </p:nvSpPr>
+        <p:spPr>
+          <a:xfrm>
+            <a:off x="883863" y="739259"/>
+            <a:ext cx="6944683" cy="830997"/>
+          </a:xfrm>
+          <a:prstGeom prst="rect">
+            <a:avLst/>
+          </a:prstGeom>
+          <a:noFill/>
+        </p:spPr>
+        <p:txBody>
+          <a:bodyPr wrap="square" rtlCol="0">
+            <a:spAutoFit/>
+          </a:bodyPr>
+          <a:lstStyle/>
+          <a:p>
+            <a:pPr algn="ctr"/>
+            <a:r>
+              <a:rPr lang="en" sz="2400" dirty="0">
+                <a:solidFill>
+                  <a:schemeClr val="tx1"/>
+                </a:solidFill>
+                <a:latin typeface="KoHo" pitchFamily="2" charset="-34"/>
+                <a:cs typeface="KoHo" pitchFamily="2" charset="-34"/>
+              </a:rPr>
+              <a:t>Does not solve ALL problems, but offers an environment where improvements are possible </a:t>
             </a:r>
             <a:endParaRPr lang="en-US" sz="2400" dirty="0">
               <a:solidFill>
@@ -9943,6 +10467,282 @@
 </file>
 
 <file path=ppt/slides/slide6.xml><?xml version="1.0" encoding="utf-8"?>
+<p:sld xmlns:a="http://schemas.openxmlformats.org/drawingml/2006/main" xmlns:r="http://schemas.openxmlformats.org/officeDocument/2006/relationships" xmlns:p="http://schemas.openxmlformats.org/presentationml/2006/main">
+  <p:cSld>
+    <p:bg>
+      <p:bgPr>
+        <a:solidFill>
+          <a:srgbClr val="3A4950"/>
+        </a:solidFill>
+        <a:effectLst/>
+      </p:bgPr>
+    </p:bg>
+    <p:spTree>
+      <p:nvGrpSpPr>
+        <p:cNvPr id="1" name="Shape 65"/>
+        <p:cNvGrpSpPr/>
+        <p:nvPr/>
+      </p:nvGrpSpPr>
+      <p:grpSpPr>
+        <a:xfrm>
+          <a:off x="0" y="0"/>
+          <a:ext cx="0" cy="0"/>
+          <a:chOff x="0" y="0"/>
+          <a:chExt cx="0" cy="0"/>
+        </a:xfrm>
+      </p:grpSpPr>
+      <p:sp>
+        <p:nvSpPr>
+          <p:cNvPr id="9" name="TextBox 8">
+            <a:extLst>
+              <a:ext uri="{FF2B5EF4-FFF2-40B4-BE49-F238E27FC236}">
+                <a16:creationId xmlns:a16="http://schemas.microsoft.com/office/drawing/2014/main" id="{8867E25B-AFC4-89D6-2969-1C9DEB94F881}"/>
+              </a:ext>
+            </a:extLst>
+          </p:cNvPr>
+          <p:cNvSpPr txBox="1"/>
+          <p:nvPr/>
+        </p:nvSpPr>
+        <p:spPr>
+          <a:xfrm>
+            <a:off x="0" y="0"/>
+            <a:ext cx="7699248" cy="584775"/>
+          </a:xfrm>
+          <a:prstGeom prst="rect">
+            <a:avLst/>
+          </a:prstGeom>
+          <a:noFill/>
+        </p:spPr>
+        <p:txBody>
+          <a:bodyPr wrap="square" rtlCol="0">
+            <a:spAutoFit/>
+          </a:bodyPr>
+          <a:lstStyle/>
+          <a:p>
+            <a:r>
+              <a:rPr lang="en" sz="3200" dirty="0">
+                <a:solidFill>
+                  <a:schemeClr val="tx1"/>
+                </a:solidFill>
+                <a:latin typeface="KoHo" pitchFamily="2" charset="-34"/>
+                <a:cs typeface="KoHo" pitchFamily="2" charset="-34"/>
+              </a:rPr>
+              <a:t>Disclaimer</a:t>
+            </a:r>
+            <a:endParaRPr lang="en-US" sz="3200" dirty="0">
+              <a:solidFill>
+                <a:schemeClr val="tx1"/>
+              </a:solidFill>
+              <a:latin typeface="KoHo" pitchFamily="2" charset="-34"/>
+              <a:cs typeface="KoHo" pitchFamily="2" charset="-34"/>
+            </a:endParaRPr>
+          </a:p>
+        </p:txBody>
+      </p:sp>
+      <p:cxnSp>
+        <p:nvCxnSpPr>
+          <p:cNvPr id="17" name="Straight Connector 16">
+            <a:extLst>
+              <a:ext uri="{FF2B5EF4-FFF2-40B4-BE49-F238E27FC236}">
+                <a16:creationId xmlns:a16="http://schemas.microsoft.com/office/drawing/2014/main" id="{9504BD40-3132-65FE-5F59-287BC20E5F98}"/>
+              </a:ext>
+            </a:extLst>
+          </p:cNvPr>
+          <p:cNvCxnSpPr>
+            <a:cxnSpLocks/>
+          </p:cNvCxnSpPr>
+          <p:nvPr/>
+        </p:nvCxnSpPr>
+        <p:spPr>
+          <a:xfrm>
+            <a:off x="91440" y="587926"/>
+            <a:ext cx="1986013" cy="0"/>
+          </a:xfrm>
+          <a:prstGeom prst="line">
+            <a:avLst/>
+          </a:prstGeom>
+          <a:ln>
+            <a:solidFill>
+              <a:schemeClr val="tx1"/>
+            </a:solidFill>
+          </a:ln>
+        </p:spPr>
+        <p:style>
+          <a:lnRef idx="1">
+            <a:schemeClr val="accent1"/>
+          </a:lnRef>
+          <a:fillRef idx="0">
+            <a:schemeClr val="accent1"/>
+          </a:fillRef>
+          <a:effectRef idx="0">
+            <a:schemeClr val="accent1"/>
+          </a:effectRef>
+          <a:fontRef idx="minor">
+            <a:schemeClr val="tx1"/>
+          </a:fontRef>
+        </p:style>
+      </p:cxnSp>
+      <p:sp>
+        <p:nvSpPr>
+          <p:cNvPr id="3" name="TextBox 2">
+            <a:extLst>
+              <a:ext uri="{FF2B5EF4-FFF2-40B4-BE49-F238E27FC236}">
+                <a16:creationId xmlns:a16="http://schemas.microsoft.com/office/drawing/2014/main" id="{530F411D-34BF-00EB-3250-6FDA6DD1F777}"/>
+              </a:ext>
+            </a:extLst>
+          </p:cNvPr>
+          <p:cNvSpPr txBox="1"/>
+          <p:nvPr/>
+        </p:nvSpPr>
+        <p:spPr>
+          <a:xfrm>
+            <a:off x="1099658" y="1010565"/>
+            <a:ext cx="6944683" cy="461665"/>
+          </a:xfrm>
+          <a:prstGeom prst="rect">
+            <a:avLst/>
+          </a:prstGeom>
+          <a:noFill/>
+        </p:spPr>
+        <p:txBody>
+          <a:bodyPr wrap="square" rtlCol="0">
+            <a:spAutoFit/>
+          </a:bodyPr>
+          <a:lstStyle/>
+          <a:p>
+            <a:pPr algn="ctr"/>
+            <a:r>
+              <a:rPr lang="en" sz="2400" dirty="0">
+                <a:solidFill>
+                  <a:schemeClr val="tx1"/>
+                </a:solidFill>
+                <a:latin typeface="KoHo" pitchFamily="2" charset="-34"/>
+                <a:cs typeface="KoHo" pitchFamily="2" charset="-34"/>
+              </a:rPr>
+              <a:t>The Genome Pods project is a RESEARCH project</a:t>
+            </a:r>
+            <a:endParaRPr lang="en-US" sz="2400" dirty="0">
+              <a:solidFill>
+                <a:schemeClr val="tx1"/>
+              </a:solidFill>
+              <a:latin typeface="KoHo" pitchFamily="2" charset="-34"/>
+              <a:cs typeface="KoHo" pitchFamily="2" charset="-34"/>
+            </a:endParaRPr>
+          </a:p>
+        </p:txBody>
+      </p:sp>
+      <p:sp>
+        <p:nvSpPr>
+          <p:cNvPr id="2" name="TextBox 1">
+            <a:extLst>
+              <a:ext uri="{FF2B5EF4-FFF2-40B4-BE49-F238E27FC236}">
+                <a16:creationId xmlns:a16="http://schemas.microsoft.com/office/drawing/2014/main" id="{97463042-FB5D-DD5A-F25D-AF1A86E62671}"/>
+              </a:ext>
+            </a:extLst>
+          </p:cNvPr>
+          <p:cNvSpPr txBox="1"/>
+          <p:nvPr/>
+        </p:nvSpPr>
+        <p:spPr>
+          <a:xfrm>
+            <a:off x="1084446" y="2037172"/>
+            <a:ext cx="6944683" cy="461665"/>
+          </a:xfrm>
+          <a:prstGeom prst="rect">
+            <a:avLst/>
+          </a:prstGeom>
+          <a:noFill/>
+        </p:spPr>
+        <p:txBody>
+          <a:bodyPr wrap="square" rtlCol="0">
+            <a:spAutoFit/>
+          </a:bodyPr>
+          <a:lstStyle/>
+          <a:p>
+            <a:pPr algn="ctr"/>
+            <a:r>
+              <a:rPr lang="en" sz="2400" dirty="0">
+                <a:solidFill>
+                  <a:schemeClr val="tx1"/>
+                </a:solidFill>
+                <a:latin typeface="KoHo" pitchFamily="2" charset="-34"/>
+                <a:cs typeface="KoHo" pitchFamily="2" charset="-34"/>
+              </a:rPr>
+              <a:t>It is being undertaken as a proof-of-concept</a:t>
+            </a:r>
+            <a:endParaRPr lang="en-US" sz="2400" dirty="0">
+              <a:solidFill>
+                <a:schemeClr val="tx1"/>
+              </a:solidFill>
+              <a:latin typeface="KoHo" pitchFamily="2" charset="-34"/>
+              <a:cs typeface="KoHo" pitchFamily="2" charset="-34"/>
+            </a:endParaRPr>
+          </a:p>
+        </p:txBody>
+      </p:sp>
+      <p:sp>
+        <p:nvSpPr>
+          <p:cNvPr id="4" name="TextBox 3">
+            <a:extLst>
+              <a:ext uri="{FF2B5EF4-FFF2-40B4-BE49-F238E27FC236}">
+                <a16:creationId xmlns:a16="http://schemas.microsoft.com/office/drawing/2014/main" id="{D7A24B22-1F3B-0630-4DE5-40F302C350F8}"/>
+              </a:ext>
+            </a:extLst>
+          </p:cNvPr>
+          <p:cNvSpPr txBox="1"/>
+          <p:nvPr/>
+        </p:nvSpPr>
+        <p:spPr>
+          <a:xfrm>
+            <a:off x="1084445" y="3383700"/>
+            <a:ext cx="6944683" cy="830997"/>
+          </a:xfrm>
+          <a:prstGeom prst="rect">
+            <a:avLst/>
+          </a:prstGeom>
+          <a:noFill/>
+        </p:spPr>
+        <p:txBody>
+          <a:bodyPr wrap="square" rtlCol="0">
+            <a:spAutoFit/>
+          </a:bodyPr>
+          <a:lstStyle/>
+          <a:p>
+            <a:pPr algn="ctr"/>
+            <a:r>
+              <a:rPr lang="en" sz="2400" dirty="0">
+                <a:solidFill>
+                  <a:schemeClr val="tx1"/>
+                </a:solidFill>
+                <a:latin typeface="KoHo" pitchFamily="2" charset="-34"/>
+                <a:cs typeface="KoHo" pitchFamily="2" charset="-34"/>
+              </a:rPr>
+              <a:t>So, it is designed to emulate a product but is not actually a product</a:t>
+            </a:r>
+            <a:endParaRPr lang="en-US" sz="2400" dirty="0">
+              <a:solidFill>
+                <a:schemeClr val="tx1"/>
+              </a:solidFill>
+              <a:latin typeface="KoHo" pitchFamily="2" charset="-34"/>
+              <a:cs typeface="KoHo" pitchFamily="2" charset="-34"/>
+            </a:endParaRPr>
+          </a:p>
+        </p:txBody>
+      </p:sp>
+    </p:spTree>
+    <p:extLst>
+      <p:ext uri="{BB962C8B-B14F-4D97-AF65-F5344CB8AC3E}">
+        <p14:creationId xmlns:p14="http://schemas.microsoft.com/office/powerpoint/2010/main" val="4197231129"/>
+      </p:ext>
+    </p:extLst>
+  </p:cSld>
+  <p:clrMapOvr>
+    <a:masterClrMapping/>
+  </p:clrMapOvr>
+</p:sld>
+</file>
+
+<file path=ppt/slides/slide7.xml><?xml version="1.0" encoding="utf-8"?>
 <p:sld xmlns:a="http://schemas.openxmlformats.org/drawingml/2006/main" xmlns:r="http://schemas.openxmlformats.org/officeDocument/2006/relationships" xmlns:p="http://schemas.openxmlformats.org/presentationml/2006/main">
   <p:cSld>
     <p:bg>
@@ -10005,7 +10805,7 @@
                 <a:latin typeface="KoHo" pitchFamily="2" charset="-34"/>
                 <a:cs typeface="KoHo" pitchFamily="2" charset="-34"/>
               </a:rPr>
-              <a:t>How Solid facilitates improvements</a:t>
+              <a:t>Tangible Example</a:t>
             </a:r>
             <a:endParaRPr lang="en-US" sz="3200" dirty="0">
               <a:solidFill>
@@ -10031,8 +10831,8 @@
         </p:nvSpPr>
         <p:spPr>
           <a:xfrm>
-            <a:off x="160130" y="1204440"/>
-            <a:ext cx="3332878" cy="461665"/>
+            <a:off x="12342" y="938717"/>
+            <a:ext cx="4896542" cy="461665"/>
           </a:xfrm>
           <a:prstGeom prst="rect">
             <a:avLst/>
@@ -10054,7 +10854,7 @@
                 <a:latin typeface="KoHo" pitchFamily="2" charset="-34"/>
                 <a:cs typeface="KoHo" pitchFamily="2" charset="-34"/>
               </a:rPr>
-              <a:t>Technical things here</a:t>
+              <a:t>A patient is hospitalized with DVT</a:t>
             </a:r>
             <a:endParaRPr lang="en-US" sz="2400" dirty="0">
               <a:solidFill>
@@ -10123,8 +10923,8 @@
         </p:nvSpPr>
         <p:spPr>
           <a:xfrm>
-            <a:off x="5001768" y="1889296"/>
-            <a:ext cx="2128266" cy="1569660"/>
+            <a:off x="119113" y="2569037"/>
+            <a:ext cx="5784975" cy="830997"/>
           </a:xfrm>
           <a:prstGeom prst="rect">
             <a:avLst/>
@@ -10137,7 +10937,6 @@
           </a:bodyPr>
           <a:lstStyle/>
           <a:p>
-            <a:pPr algn="ctr"/>
             <a:r>
               <a:rPr lang="en" sz="2400" dirty="0">
                 <a:solidFill>
@@ -10146,27 +10945,7 @@
                 <a:latin typeface="KoHo" pitchFamily="2" charset="-34"/>
                 <a:cs typeface="KoHo" pitchFamily="2" charset="-34"/>
               </a:rPr>
-              <a:t>Data linking and </a:t>
-            </a:r>
-            <a:r>
-              <a:rPr lang="en" sz="2400" dirty="0" err="1">
-                <a:solidFill>
-                  <a:schemeClr val="tx1"/>
-                </a:solidFill>
-                <a:latin typeface="KoHo" pitchFamily="2" charset="-34"/>
-                <a:cs typeface="KoHo" pitchFamily="2" charset="-34"/>
-              </a:rPr>
-              <a:t>queryability</a:t>
-            </a:r>
-            <a:r>
-              <a:rPr lang="en" sz="2400" dirty="0">
-                <a:solidFill>
-                  <a:schemeClr val="tx1"/>
-                </a:solidFill>
-                <a:latin typeface="KoHo" pitchFamily="2" charset="-34"/>
-                <a:cs typeface="KoHo" pitchFamily="2" charset="-34"/>
-              </a:rPr>
-              <a:t> is BIG</a:t>
+              <a:t>The physician wants to make sure the patient is prescribed proper dosing</a:t>
             </a:r>
             <a:endParaRPr lang="en-US" sz="2400" dirty="0">
               <a:solidFill>
@@ -10192,8 +10971,8 @@
         </p:nvSpPr>
         <p:spPr>
           <a:xfrm>
-            <a:off x="288146" y="2750588"/>
-            <a:ext cx="1994154" cy="830997"/>
+            <a:off x="119113" y="1542625"/>
+            <a:ext cx="3634148" cy="830997"/>
           </a:xfrm>
           <a:prstGeom prst="rect">
             <a:avLst/>
@@ -10206,7 +10985,6 @@
           </a:bodyPr>
           <a:lstStyle/>
           <a:p>
-            <a:pPr algn="ctr"/>
             <a:r>
               <a:rPr lang="en" sz="2400" dirty="0">
                 <a:solidFill>
@@ -10215,7 +10993,151 @@
                 <a:latin typeface="KoHo" pitchFamily="2" charset="-34"/>
                 <a:cs typeface="KoHo" pitchFamily="2" charset="-34"/>
               </a:rPr>
-              <a:t>Mention VCF as RDF</a:t>
+              <a:t>DVT usually merits the perscription of Warfarin</a:t>
+            </a:r>
+            <a:endParaRPr lang="en-US" sz="2400" dirty="0">
+              <a:solidFill>
+                <a:schemeClr val="tx1"/>
+              </a:solidFill>
+              <a:latin typeface="KoHo" pitchFamily="2" charset="-34"/>
+              <a:cs typeface="KoHo" pitchFamily="2" charset="-34"/>
+            </a:endParaRPr>
+          </a:p>
+        </p:txBody>
+      </p:sp>
+      <p:sp>
+        <p:nvSpPr>
+          <p:cNvPr id="2" name="TextBox 1">
+            <a:extLst>
+              <a:ext uri="{FF2B5EF4-FFF2-40B4-BE49-F238E27FC236}">
+                <a16:creationId xmlns:a16="http://schemas.microsoft.com/office/drawing/2014/main" id="{68D88475-A9ED-164F-2D84-75AC5EC17DCD}"/>
+              </a:ext>
+            </a:extLst>
+          </p:cNvPr>
+          <p:cNvSpPr txBox="1"/>
+          <p:nvPr/>
+        </p:nvSpPr>
+        <p:spPr>
+          <a:xfrm>
+            <a:off x="119113" y="3595449"/>
+            <a:ext cx="5784975" cy="830997"/>
+          </a:xfrm>
+          <a:prstGeom prst="rect">
+            <a:avLst/>
+          </a:prstGeom>
+          <a:noFill/>
+        </p:spPr>
+        <p:txBody>
+          <a:bodyPr wrap="square" rtlCol="0">
+            <a:spAutoFit/>
+          </a:bodyPr>
+          <a:lstStyle/>
+          <a:p>
+            <a:r>
+              <a:rPr lang="en" sz="2400" dirty="0">
+                <a:solidFill>
+                  <a:schemeClr val="tx1"/>
+                </a:solidFill>
+                <a:latin typeface="KoHo" pitchFamily="2" charset="-34"/>
+                <a:cs typeface="KoHo" pitchFamily="2" charset="-34"/>
+              </a:rPr>
+              <a:t>Thus, a pharmacogenomics screening is performed</a:t>
+            </a:r>
+            <a:endParaRPr lang="en-US" sz="2400" dirty="0">
+              <a:solidFill>
+                <a:schemeClr val="tx1"/>
+              </a:solidFill>
+              <a:latin typeface="KoHo" pitchFamily="2" charset="-34"/>
+              <a:cs typeface="KoHo" pitchFamily="2" charset="-34"/>
+            </a:endParaRPr>
+          </a:p>
+        </p:txBody>
+      </p:sp>
+      <p:sp>
+        <p:nvSpPr>
+          <p:cNvPr id="3" name="TextBox 2">
+            <a:extLst>
+              <a:ext uri="{FF2B5EF4-FFF2-40B4-BE49-F238E27FC236}">
+                <a16:creationId xmlns:a16="http://schemas.microsoft.com/office/drawing/2014/main" id="{FD184856-F2E0-CEA3-7A30-48DE6A325460}"/>
+              </a:ext>
+            </a:extLst>
+          </p:cNvPr>
+          <p:cNvSpPr txBox="1"/>
+          <p:nvPr/>
+        </p:nvSpPr>
+        <p:spPr>
+          <a:xfrm>
+            <a:off x="6078755" y="938717"/>
+            <a:ext cx="2704297" cy="1569660"/>
+          </a:xfrm>
+          <a:prstGeom prst="rect">
+            <a:avLst/>
+          </a:prstGeom>
+          <a:noFill/>
+        </p:spPr>
+        <p:txBody>
+          <a:bodyPr wrap="square" rtlCol="0">
+            <a:spAutoFit/>
+          </a:bodyPr>
+          <a:lstStyle/>
+          <a:p>
+            <a:r>
+              <a:rPr lang="en" sz="2400" dirty="0">
+                <a:solidFill>
+                  <a:schemeClr val="tx1"/>
+                </a:solidFill>
+                <a:latin typeface="KoHo" pitchFamily="2" charset="-34"/>
+                <a:cs typeface="KoHo" pitchFamily="2" charset="-34"/>
+              </a:rPr>
+              <a:t>The results of the screen are linked to the patient’s genome data</a:t>
+            </a:r>
+            <a:endParaRPr lang="en-US" sz="2400" dirty="0">
+              <a:solidFill>
+                <a:schemeClr val="tx1"/>
+              </a:solidFill>
+              <a:latin typeface="KoHo" pitchFamily="2" charset="-34"/>
+              <a:cs typeface="KoHo" pitchFamily="2" charset="-34"/>
+            </a:endParaRPr>
+          </a:p>
+        </p:txBody>
+      </p:sp>
+      <p:sp>
+        <p:nvSpPr>
+          <p:cNvPr id="4" name="TextBox 3">
+            <a:extLst>
+              <a:ext uri="{FF2B5EF4-FFF2-40B4-BE49-F238E27FC236}">
+                <a16:creationId xmlns:a16="http://schemas.microsoft.com/office/drawing/2014/main" id="{3350EED7-ECBF-DBEA-5A92-DBF10B77414C}"/>
+              </a:ext>
+            </a:extLst>
+          </p:cNvPr>
+          <p:cNvSpPr txBox="1"/>
+          <p:nvPr/>
+        </p:nvSpPr>
+        <p:spPr>
+          <a:xfrm>
+            <a:off x="6078755" y="2984535"/>
+            <a:ext cx="2704297" cy="1938992"/>
+          </a:xfrm>
+          <a:prstGeom prst="rect">
+            <a:avLst/>
+          </a:prstGeom>
+          <a:noFill/>
+        </p:spPr>
+        <p:txBody>
+          <a:bodyPr wrap="square" rtlCol="0">
+            <a:spAutoFit/>
+          </a:bodyPr>
+          <a:lstStyle/>
+          <a:p>
+            <a:r>
+              <a:rPr lang="en" sz="2400" dirty="0">
+                <a:solidFill>
+                  <a:schemeClr val="tx1"/>
+                </a:solidFill>
+                <a:latin typeface="KoHo" pitchFamily="2" charset="-34"/>
+                <a:cs typeface="KoHo" pitchFamily="2" charset="-34"/>
+              </a:rPr>
+              <a:t>These results are accessible to anyone authorized by the patient or physician</a:t>
             </a:r>
             <a:endParaRPr lang="en-US" sz="2400" dirty="0">
               <a:solidFill>
@@ -10240,7 +11162,7 @@
 </p:sld>
 </file>
 
-<file path=ppt/slides/slide7.xml><?xml version="1.0" encoding="utf-8"?>
+<file path=ppt/slides/slide8.xml><?xml version="1.0" encoding="utf-8"?>
 <p:sld xmlns:a="http://schemas.openxmlformats.org/drawingml/2006/main" xmlns:r="http://schemas.openxmlformats.org/officeDocument/2006/relationships" xmlns:p="http://schemas.openxmlformats.org/presentationml/2006/main">
   <p:cSld>
     <p:bg>
@@ -10536,7 +11458,7 @@
 </p:sld>
 </file>
 
-<file path=ppt/slides/slide8.xml><?xml version="1.0" encoding="utf-8"?>
+<file path=ppt/slides/slide9.xml><?xml version="1.0" encoding="utf-8"?>
 <p:sld xmlns:a="http://schemas.openxmlformats.org/drawingml/2006/main" xmlns:r="http://schemas.openxmlformats.org/officeDocument/2006/relationships" xmlns:p="http://schemas.openxmlformats.org/presentationml/2006/main">
   <p:cSld>
     <p:bg>
@@ -10708,236 +11630,6 @@
     <p:extLst>
       <p:ext uri="{BB962C8B-B14F-4D97-AF65-F5344CB8AC3E}">
         <p14:creationId xmlns:p14="http://schemas.microsoft.com/office/powerpoint/2010/main" val="1148108437"/>
-      </p:ext>
-    </p:extLst>
-  </p:cSld>
-  <p:clrMapOvr>
-    <a:masterClrMapping/>
-  </p:clrMapOvr>
-</p:sld>
-</file>
-
-<file path=ppt/slides/slide9.xml><?xml version="1.0" encoding="utf-8"?>
-<p:sld xmlns:a="http://schemas.openxmlformats.org/drawingml/2006/main" xmlns:r="http://schemas.openxmlformats.org/officeDocument/2006/relationships" xmlns:p="http://schemas.openxmlformats.org/presentationml/2006/main">
-  <p:cSld>
-    <p:bg>
-      <p:bgPr>
-        <a:solidFill>
-          <a:schemeClr val="accent3">
-            <a:lumMod val="50000"/>
-          </a:schemeClr>
-        </a:solidFill>
-        <a:effectLst/>
-      </p:bgPr>
-    </p:bg>
-    <p:spTree>
-      <p:nvGrpSpPr>
-        <p:cNvPr id="1" name="Shape 65"/>
-        <p:cNvGrpSpPr/>
-        <p:nvPr/>
-      </p:nvGrpSpPr>
-      <p:grpSpPr>
-        <a:xfrm>
-          <a:off x="0" y="0"/>
-          <a:ext cx="0" cy="0"/>
-          <a:chOff x="0" y="0"/>
-          <a:chExt cx="0" cy="0"/>
-        </a:xfrm>
-      </p:grpSpPr>
-      <p:sp>
-        <p:nvSpPr>
-          <p:cNvPr id="9" name="TextBox 8">
-            <a:extLst>
-              <a:ext uri="{FF2B5EF4-FFF2-40B4-BE49-F238E27FC236}">
-                <a16:creationId xmlns:a16="http://schemas.microsoft.com/office/drawing/2014/main" id="{8867E25B-AFC4-89D6-2969-1C9DEB94F881}"/>
-              </a:ext>
-            </a:extLst>
-          </p:cNvPr>
-          <p:cNvSpPr txBox="1"/>
-          <p:nvPr/>
-        </p:nvSpPr>
-        <p:spPr>
-          <a:xfrm>
-            <a:off x="0" y="0"/>
-            <a:ext cx="7130034" cy="584775"/>
-          </a:xfrm>
-          <a:prstGeom prst="rect">
-            <a:avLst/>
-          </a:prstGeom>
-          <a:noFill/>
-        </p:spPr>
-        <p:txBody>
-          <a:bodyPr wrap="square" rtlCol="0">
-            <a:spAutoFit/>
-          </a:bodyPr>
-          <a:lstStyle/>
-          <a:p>
-            <a:r>
-              <a:rPr lang="en" sz="3200" dirty="0">
-                <a:solidFill>
-                  <a:schemeClr val="tx1"/>
-                </a:solidFill>
-                <a:latin typeface="KoHo" pitchFamily="2" charset="-34"/>
-                <a:cs typeface="KoHo" pitchFamily="2" charset="-34"/>
-              </a:rPr>
-              <a:t>Figma example that follows workflow</a:t>
-            </a:r>
-            <a:endParaRPr lang="en-US" sz="3200" dirty="0">
-              <a:solidFill>
-                <a:schemeClr val="tx1"/>
-              </a:solidFill>
-              <a:latin typeface="KoHo" pitchFamily="2" charset="-34"/>
-              <a:cs typeface="KoHo" pitchFamily="2" charset="-34"/>
-            </a:endParaRPr>
-          </a:p>
-        </p:txBody>
-      </p:sp>
-      <p:sp>
-        <p:nvSpPr>
-          <p:cNvPr id="14" name="TextBox 13">
-            <a:extLst>
-              <a:ext uri="{FF2B5EF4-FFF2-40B4-BE49-F238E27FC236}">
-                <a16:creationId xmlns:a16="http://schemas.microsoft.com/office/drawing/2014/main" id="{684321D9-F81C-B7FD-EE7F-A335BED6ED67}"/>
-              </a:ext>
-            </a:extLst>
-          </p:cNvPr>
-          <p:cNvSpPr txBox="1"/>
-          <p:nvPr/>
-        </p:nvSpPr>
-        <p:spPr>
-          <a:xfrm>
-            <a:off x="288146" y="2930540"/>
-            <a:ext cx="6841888" cy="1200329"/>
-          </a:xfrm>
-          <a:prstGeom prst="rect">
-            <a:avLst/>
-          </a:prstGeom>
-          <a:noFill/>
-        </p:spPr>
-        <p:txBody>
-          <a:bodyPr wrap="square" rtlCol="0">
-            <a:spAutoFit/>
-          </a:bodyPr>
-          <a:lstStyle/>
-          <a:p>
-            <a:r>
-              <a:rPr lang="en-US" sz="2400" dirty="0">
-                <a:solidFill>
-                  <a:schemeClr val="tx1"/>
-                </a:solidFill>
-                <a:latin typeface="KoHo" pitchFamily="2" charset="-34"/>
-                <a:cs typeface="KoHo" pitchFamily="2" charset="-34"/>
-              </a:rPr>
-              <a:t>Login --&gt; Landing Page --&gt; Data upload --&gt; Data view --&gt; Privacy editing --&gt; Data query</a:t>
-            </a:r>
-          </a:p>
-          <a:p>
-            <a:endParaRPr lang="en-US" sz="2400" dirty="0">
-              <a:solidFill>
-                <a:schemeClr val="tx1"/>
-              </a:solidFill>
-              <a:latin typeface="KoHo" pitchFamily="2" charset="-34"/>
-              <a:cs typeface="KoHo" pitchFamily="2" charset="-34"/>
-            </a:endParaRPr>
-          </a:p>
-        </p:txBody>
-      </p:sp>
-      <p:cxnSp>
-        <p:nvCxnSpPr>
-          <p:cNvPr id="17" name="Straight Connector 16">
-            <a:extLst>
-              <a:ext uri="{FF2B5EF4-FFF2-40B4-BE49-F238E27FC236}">
-                <a16:creationId xmlns:a16="http://schemas.microsoft.com/office/drawing/2014/main" id="{9504BD40-3132-65FE-5F59-287BC20E5F98}"/>
-              </a:ext>
-            </a:extLst>
-          </p:cNvPr>
-          <p:cNvCxnSpPr>
-            <a:cxnSpLocks/>
-          </p:cNvCxnSpPr>
-          <p:nvPr/>
-        </p:nvCxnSpPr>
-        <p:spPr>
-          <a:xfrm flipV="1">
-            <a:off x="91440" y="584775"/>
-            <a:ext cx="5166360" cy="3151"/>
-          </a:xfrm>
-          <a:prstGeom prst="line">
-            <a:avLst/>
-          </a:prstGeom>
-          <a:ln>
-            <a:solidFill>
-              <a:schemeClr val="tx1"/>
-            </a:solidFill>
-          </a:ln>
-        </p:spPr>
-        <p:style>
-          <a:lnRef idx="1">
-            <a:schemeClr val="accent1"/>
-          </a:lnRef>
-          <a:fillRef idx="0">
-            <a:schemeClr val="accent1"/>
-          </a:fillRef>
-          <a:effectRef idx="0">
-            <a:schemeClr val="accent1"/>
-          </a:effectRef>
-          <a:fontRef idx="minor">
-            <a:schemeClr val="tx1"/>
-          </a:fontRef>
-        </p:style>
-      </p:cxnSp>
-      <p:sp>
-        <p:nvSpPr>
-          <p:cNvPr id="2" name="TextBox 1">
-            <a:extLst>
-              <a:ext uri="{FF2B5EF4-FFF2-40B4-BE49-F238E27FC236}">
-                <a16:creationId xmlns:a16="http://schemas.microsoft.com/office/drawing/2014/main" id="{B4093E01-E2A9-99B4-BD43-6617C1420E92}"/>
-              </a:ext>
-            </a:extLst>
-          </p:cNvPr>
-          <p:cNvSpPr txBox="1"/>
-          <p:nvPr/>
-        </p:nvSpPr>
-        <p:spPr>
-          <a:xfrm>
-            <a:off x="288146" y="1566629"/>
-            <a:ext cx="7593982" cy="646331"/>
-          </a:xfrm>
-          <a:prstGeom prst="rect">
-            <a:avLst/>
-          </a:prstGeom>
-          <a:noFill/>
-        </p:spPr>
-        <p:txBody>
-          <a:bodyPr wrap="square" rtlCol="0">
-            <a:spAutoFit/>
-          </a:bodyPr>
-          <a:lstStyle/>
-          <a:p>
-            <a:r>
-              <a:rPr lang="en-US" sz="1800" dirty="0">
-                <a:solidFill>
-                  <a:schemeClr val="tx1"/>
-                </a:solidFill>
-                <a:latin typeface="KoHo" pitchFamily="2" charset="-34"/>
-                <a:cs typeface="KoHo" pitchFamily="2" charset="-34"/>
-                <a:hlinkClick r:id="rId3"/>
-              </a:rPr>
-              <a:t>https://www.figma.com/file/wWlla6tzzeS5lXFpEyldvh/GenomePods?type=design&amp;node-id=0%3A1&amp;mode=design&amp;t=wELG5CfY3CA93NPK-1</a:t>
-            </a:r>
-            <a:endParaRPr lang="en-US" sz="1800" dirty="0">
-              <a:solidFill>
-                <a:schemeClr val="tx1"/>
-              </a:solidFill>
-              <a:latin typeface="KoHo" pitchFamily="2" charset="-34"/>
-              <a:cs typeface="KoHo" pitchFamily="2" charset="-34"/>
-            </a:endParaRPr>
-          </a:p>
-        </p:txBody>
-      </p:sp>
-    </p:spTree>
-    <p:extLst>
-      <p:ext uri="{BB962C8B-B14F-4D97-AF65-F5344CB8AC3E}">
-        <p14:creationId xmlns:p14="http://schemas.microsoft.com/office/powerpoint/2010/main" val="3258730855"/>
       </p:ext>
     </p:extLst>
   </p:cSld>
